--- a/Notebooks/EngineeringNotebook/MS-PowerPoint-Files/tsWxGTUI_PyVx/UseCase_6_Embedded_System_Interface.pptx
+++ b/Notebooks/EngineeringNotebook/MS-PowerPoint-Files/tsWxGTUI_PyVx/UseCase_6_Embedded_System_Interface.pptx
@@ -293,7 +293,7 @@
               <a:pPr>
                 <a:defRPr/>
               </a:pPr>
-              <a:t>11/25/2015</a:t>
+              <a:t>12/23/2016</a:t>
             </a:fld>
             <a:endParaRPr lang="en-US"/>
           </a:p>
@@ -530,7 +530,7 @@
               <a:pPr>
                 <a:defRPr/>
               </a:pPr>
-              <a:t>11/25/2015</a:t>
+              <a:t>12/23/2016</a:t>
             </a:fld>
             <a:endParaRPr lang="en-US"/>
           </a:p>
@@ -602,35 +602,35 @@
           <a:p>
             <a:pPr lvl="0"/>
             <a:r>
-              <a:rPr lang="en-US" noProof="0" smtClean="0"/>
+              <a:rPr lang="en-US" noProof="0"/>
               <a:t>Click to edit Master text styles</a:t>
             </a:r>
           </a:p>
           <a:p>
             <a:pPr lvl="1"/>
             <a:r>
-              <a:rPr lang="en-US" noProof="0" smtClean="0"/>
+              <a:rPr lang="en-US" noProof="0"/>
               <a:t>Second level</a:t>
             </a:r>
           </a:p>
           <a:p>
             <a:pPr lvl="2"/>
             <a:r>
-              <a:rPr lang="en-US" noProof="0" smtClean="0"/>
+              <a:rPr lang="en-US" noProof="0"/>
               <a:t>Third level</a:t>
             </a:r>
           </a:p>
           <a:p>
             <a:pPr lvl="3"/>
             <a:r>
-              <a:rPr lang="en-US" noProof="0" smtClean="0"/>
+              <a:rPr lang="en-US" noProof="0"/>
               <a:t>Fourth level</a:t>
             </a:r>
           </a:p>
           <a:p>
             <a:pPr lvl="4"/>
             <a:r>
-              <a:rPr lang="en-US" noProof="0" smtClean="0"/>
+              <a:rPr lang="en-US" noProof="0"/>
               <a:t>Fifth level</a:t>
             </a:r>
           </a:p>
@@ -917,7 +917,7 @@
           <a:lstStyle/>
           <a:p>
             <a:pPr eaLnBrk="1" hangingPunct="1"/>
-            <a:endParaRPr lang="en-US" smtClean="0"/>
+            <a:endParaRPr lang="en-US"/>
           </a:p>
         </p:txBody>
       </p:sp>
@@ -984,7 +984,7 @@
           <a:lstStyle/>
           <a:p>
             <a:pPr eaLnBrk="1" hangingPunct="1"/>
-            <a:endParaRPr lang="en-US" smtClean="0"/>
+            <a:endParaRPr lang="en-US"/>
           </a:p>
         </p:txBody>
       </p:sp>
@@ -1051,7 +1051,7 @@
           <a:lstStyle/>
           <a:p>
             <a:pPr eaLnBrk="1" hangingPunct="1"/>
-            <a:endParaRPr lang="en-US" smtClean="0"/>
+            <a:endParaRPr lang="en-US"/>
           </a:p>
         </p:txBody>
       </p:sp>
@@ -1510,7 +1510,7 @@
             </a:pPr>
             <a:fld id="{B5B52024-79AA-4062-8229-397D9E214550}" type="datetime1">
               <a:rPr lang="en-US" smtClean="0"/>
-              <a:t>11/25/2015</a:t>
+              <a:t>12/23/2016</a:t>
             </a:fld>
             <a:endParaRPr lang="en-US"/>
           </a:p>
@@ -1548,10 +1548,9 @@
               <a:defRPr/>
             </a:pPr>
             <a:r>
-              <a:rPr lang="en-US" dirty="0" smtClean="0"/>
+              <a:rPr lang="en-US" dirty="0"/>
               <a:t>TeamSTARS "tsWxGTUI_PyVx" Toolkit prepared &amp; presented by Richard S. Gordon</a:t>
             </a:r>
-            <a:endParaRPr lang="en-US" dirty="0"/>
           </a:p>
         </p:txBody>
       </p:sp>
@@ -1716,7 +1715,7 @@
             </a:pPr>
             <a:fld id="{5534B48B-48D4-4D1F-B98F-2ED8E1B04ED0}" type="datetime1">
               <a:rPr lang="en-US" smtClean="0"/>
-              <a:t>11/25/2015</a:t>
+              <a:t>12/23/2016</a:t>
             </a:fld>
             <a:endParaRPr lang="en-US"/>
           </a:p>
@@ -1747,10 +1746,9 @@
               <a:defRPr/>
             </a:pPr>
             <a:r>
-              <a:rPr lang="en-US" dirty="0" smtClean="0"/>
+              <a:rPr lang="en-US" dirty="0"/>
               <a:t>TeamSTARS "tsWxGTUI_PyVx" Toolkit prepared &amp; presented by Richard S. Gordon</a:t>
             </a:r>
-            <a:endParaRPr lang="en-US" dirty="0"/>
           </a:p>
         </p:txBody>
       </p:sp>
@@ -1918,7 +1916,7 @@
             </a:pPr>
             <a:fld id="{C3557E2B-7DD4-4DCF-9DDD-7786167218C6}" type="datetime1">
               <a:rPr lang="en-US" smtClean="0"/>
-              <a:t>11/25/2015</a:t>
+              <a:t>12/23/2016</a:t>
             </a:fld>
             <a:endParaRPr lang="en-US"/>
           </a:p>
@@ -1949,10 +1947,9 @@
               <a:defRPr/>
             </a:pPr>
             <a:r>
-              <a:rPr lang="en-US" dirty="0" smtClean="0"/>
+              <a:rPr lang="en-US" dirty="0"/>
               <a:t>TeamSTARS "tsWxGTUI_PyVx" Toolkit prepared &amp; presented by Richard S. Gordon</a:t>
             </a:r>
-            <a:endParaRPr lang="en-US" dirty="0"/>
           </a:p>
         </p:txBody>
       </p:sp>
@@ -2110,7 +2107,7 @@
             </a:pPr>
             <a:fld id="{65B11A62-63AA-4067-ACEB-AA6A42CE3A38}" type="datetime1">
               <a:rPr lang="en-US" smtClean="0"/>
-              <a:t>11/25/2015</a:t>
+              <a:t>12/23/2016</a:t>
             </a:fld>
             <a:endParaRPr lang="en-US"/>
           </a:p>
@@ -2141,10 +2138,9 @@
               <a:defRPr/>
             </a:pPr>
             <a:r>
-              <a:rPr lang="en-US" dirty="0" smtClean="0"/>
+              <a:rPr lang="en-US" dirty="0"/>
               <a:t>TeamSTARS "tsWxGTUI_PyVx" Toolkit prepared &amp; presented by Richard S. Gordon</a:t>
             </a:r>
-            <a:endParaRPr lang="en-US" dirty="0"/>
           </a:p>
         </p:txBody>
       </p:sp>
@@ -2325,7 +2321,7 @@
             </a:pPr>
             <a:fld id="{013FB6F9-CFEF-47AA-A08B-D90CED01DE9A}" type="datetime1">
               <a:rPr lang="en-US" smtClean="0"/>
-              <a:t>11/25/2015</a:t>
+              <a:t>12/23/2016</a:t>
             </a:fld>
             <a:endParaRPr lang="en-US"/>
           </a:p>
@@ -2356,10 +2352,9 @@
               <a:defRPr/>
             </a:pPr>
             <a:r>
-              <a:rPr lang="en-US" dirty="0" smtClean="0"/>
+              <a:rPr lang="en-US" dirty="0"/>
               <a:t>TeamSTARS "tsWxGTUI_PyVx" Toolkit prepared &amp; presented by Richard S. Gordon</a:t>
             </a:r>
-            <a:endParaRPr lang="en-US" dirty="0"/>
           </a:p>
         </p:txBody>
       </p:sp>
@@ -2634,7 +2629,7 @@
             </a:pPr>
             <a:fld id="{44D06F95-D493-494F-B0EB-3EDFAA385886}" type="datetime1">
               <a:rPr lang="en-US" smtClean="0"/>
-              <a:t>11/25/2015</a:t>
+              <a:t>12/23/2016</a:t>
             </a:fld>
             <a:endParaRPr lang="en-US"/>
           </a:p>
@@ -2665,10 +2660,9 @@
               <a:defRPr/>
             </a:pPr>
             <a:r>
-              <a:rPr lang="en-US" dirty="0" smtClean="0"/>
+              <a:rPr lang="en-US" dirty="0"/>
               <a:t>TeamSTARS "tsWxGTUI_PyVx" Toolkit prepared &amp; presented by Richard S. Gordon</a:t>
             </a:r>
-            <a:endParaRPr lang="en-US" dirty="0"/>
           </a:p>
         </p:txBody>
       </p:sp>
@@ -3082,7 +3076,7 @@
             </a:pPr>
             <a:fld id="{26FA81D3-96E1-4758-9306-72CE9F6E2F25}" type="datetime1">
               <a:rPr lang="en-US" smtClean="0"/>
-              <a:t>11/25/2015</a:t>
+              <a:t>12/23/2016</a:t>
             </a:fld>
             <a:endParaRPr lang="en-US"/>
           </a:p>
@@ -3113,10 +3107,9 @@
               <a:defRPr/>
             </a:pPr>
             <a:r>
-              <a:rPr lang="en-US" dirty="0" smtClean="0"/>
+              <a:rPr lang="en-US" dirty="0"/>
               <a:t>TeamSTARS "tsWxGTUI_PyVx" Toolkit prepared &amp; presented by Richard S. Gordon</a:t>
             </a:r>
-            <a:endParaRPr lang="en-US" dirty="0"/>
           </a:p>
         </p:txBody>
       </p:sp>
@@ -3223,7 +3216,7 @@
             </a:pPr>
             <a:fld id="{C22C02A3-FDB2-4B02-8110-311DDD8475C2}" type="datetime1">
               <a:rPr lang="en-US" smtClean="0"/>
-              <a:t>11/25/2015</a:t>
+              <a:t>12/23/2016</a:t>
             </a:fld>
             <a:endParaRPr lang="en-US"/>
           </a:p>
@@ -3254,10 +3247,9 @@
               <a:defRPr/>
             </a:pPr>
             <a:r>
-              <a:rPr lang="en-US" dirty="0" smtClean="0"/>
+              <a:rPr lang="en-US" dirty="0"/>
               <a:t>TeamSTARS "tsWxGTUI_PyVx" Toolkit prepared &amp; presented by Richard S. Gordon</a:t>
             </a:r>
-            <a:endParaRPr lang="en-US" dirty="0"/>
           </a:p>
         </p:txBody>
       </p:sp>
@@ -3340,7 +3332,7 @@
             </a:pPr>
             <a:fld id="{FB277746-3C8E-4161-A66B-B97D4FD5213A}" type="datetime1">
               <a:rPr lang="en-US" smtClean="0"/>
-              <a:t>11/25/2015</a:t>
+              <a:t>12/23/2016</a:t>
             </a:fld>
             <a:endParaRPr lang="en-US"/>
           </a:p>
@@ -3634,7 +3626,7 @@
             </a:pPr>
             <a:fld id="{86B778C6-FEB5-4910-BBA7-BBA76466D3B2}" type="datetime1">
               <a:rPr lang="en-US" smtClean="0"/>
-              <a:t>11/25/2015</a:t>
+              <a:t>12/23/2016</a:t>
             </a:fld>
             <a:endParaRPr lang="en-US"/>
           </a:p>
@@ -3665,10 +3657,9 @@
               <a:defRPr/>
             </a:pPr>
             <a:r>
-              <a:rPr lang="en-US" dirty="0" smtClean="0"/>
+              <a:rPr lang="en-US" dirty="0"/>
               <a:t>TeamSTARS "tsWxGTUI_PyVx" Toolkit prepared &amp; presented by Richard S. Gordon</a:t>
             </a:r>
-            <a:endParaRPr lang="en-US" dirty="0"/>
           </a:p>
         </p:txBody>
       </p:sp>
@@ -3911,7 +3902,7 @@
             </a:pPr>
             <a:fld id="{7A68BEE5-7335-4799-9F53-F65CFD274630}" type="datetime1">
               <a:rPr lang="en-US" smtClean="0"/>
-              <a:t>11/25/2015</a:t>
+              <a:t>12/23/2016</a:t>
             </a:fld>
             <a:endParaRPr lang="en-US"/>
           </a:p>
@@ -3942,10 +3933,9 @@
               <a:defRPr/>
             </a:pPr>
             <a:r>
-              <a:rPr lang="en-US" dirty="0" smtClean="0"/>
+              <a:rPr lang="en-US" dirty="0"/>
               <a:t>TeamSTARS "tsWxGTUI_PyVx" Toolkit prepared &amp; presented by Richard S. Gordon</a:t>
             </a:r>
-            <a:endParaRPr lang="en-US" dirty="0"/>
           </a:p>
         </p:txBody>
       </p:sp>
@@ -4325,7 +4315,7 @@
           <a:p>
             <a:pPr lvl="0"/>
             <a:r>
-              <a:rPr lang="en-US" smtClean="0"/>
+              <a:rPr lang="en-US"/>
               <a:t>Click to edit Master title style</a:t>
             </a:r>
           </a:p>
@@ -4367,35 +4357,35 @@
           <a:p>
             <a:pPr lvl="0"/>
             <a:r>
-              <a:rPr lang="en-US" smtClean="0"/>
+              <a:rPr lang="en-US"/>
               <a:t>Click to edit Master text styles</a:t>
             </a:r>
           </a:p>
           <a:p>
             <a:pPr lvl="1"/>
             <a:r>
-              <a:rPr lang="en-US" smtClean="0"/>
+              <a:rPr lang="en-US"/>
               <a:t>Second level</a:t>
             </a:r>
           </a:p>
           <a:p>
             <a:pPr lvl="2"/>
             <a:r>
-              <a:rPr lang="en-US" smtClean="0"/>
+              <a:rPr lang="en-US"/>
               <a:t>Third level</a:t>
             </a:r>
           </a:p>
           <a:p>
             <a:pPr lvl="3"/>
             <a:r>
-              <a:rPr lang="en-US" smtClean="0"/>
+              <a:rPr lang="en-US"/>
               <a:t>Fourth level</a:t>
             </a:r>
           </a:p>
           <a:p>
             <a:pPr lvl="4"/>
             <a:r>
-              <a:rPr lang="en-US" smtClean="0"/>
+              <a:rPr lang="en-US"/>
               <a:t>Fifth level</a:t>
             </a:r>
           </a:p>
@@ -4445,7 +4435,7 @@
             </a:pPr>
             <a:fld id="{45A933D1-86C7-45FF-B83F-CA5ED825AD11}" type="datetime1">
               <a:rPr lang="en-US" smtClean="0"/>
-              <a:t>11/25/2015</a:t>
+              <a:t>12/23/2016</a:t>
             </a:fld>
             <a:endParaRPr lang="en-US"/>
           </a:p>
@@ -4494,10 +4484,9 @@
               <a:defRPr/>
             </a:pPr>
             <a:r>
-              <a:rPr lang="en-US" dirty="0" smtClean="0"/>
+              <a:rPr lang="en-US" dirty="0"/>
               <a:t>TeamSTARS "tsWxGTUI_PyVx" Toolkit prepared &amp; presented by Richard S. Gordon</a:t>
             </a:r>
-            <a:endParaRPr lang="en-US" dirty="0"/>
           </a:p>
         </p:txBody>
       </p:sp>
@@ -5029,10 +5018,9 @@
           <a:lstStyle/>
           <a:p>
             <a:r>
-              <a:rPr lang="en-US" sz="3600" dirty="0" smtClean="0"/>
+              <a:rPr lang="en-US" sz="3600" dirty="0"/>
               <a:t>UseCase_6_Remote_User_Interface</a:t>
             </a:r>
-            <a:endParaRPr lang="en-US" sz="3600" dirty="0"/>
           </a:p>
         </p:txBody>
       </p:sp>
@@ -5055,14 +5043,14 @@
               <a:buFont typeface="Wingdings" pitchFamily="2" charset="2"/>
               <a:buNone/>
             </a:pPr>
-            <a:endParaRPr lang="en-US" sz="2800" smtClean="0"/>
+            <a:endParaRPr lang="en-US" sz="2800"/>
           </a:p>
           <a:p>
             <a:pPr marL="0" indent="0" algn="ctr" eaLnBrk="1" hangingPunct="1">
               <a:buFont typeface="Wingdings" pitchFamily="2" charset="2"/>
               <a:buNone/>
             </a:pPr>
-            <a:endParaRPr lang="en-US" sz="2800" smtClean="0"/>
+            <a:endParaRPr lang="en-US" sz="2800"/>
           </a:p>
         </p:txBody>
       </p:sp>
@@ -5085,9 +5073,9 @@
           <a:p>
             <a:fld id="{878D0E70-D567-4EAD-BEEC-D30EFDF84A73}" type="datetime1">
               <a:rPr lang="en-US" smtClean="0"/>
-              <a:t>11/25/2015</a:t>
+              <a:t>12/23/2016</a:t>
             </a:fld>
-            <a:endParaRPr lang="en-US" smtClean="0"/>
+            <a:endParaRPr lang="en-US"/>
           </a:p>
         </p:txBody>
       </p:sp>
@@ -5143,34 +5131,32 @@
       </p:sp>
       <p:pic>
         <p:nvPicPr>
-          <p:cNvPr id="6151" name="Picture 5" descr="tsWxGTUI_PyVx Masthead"/>
+          <p:cNvPr id="3" name="Picture 2"/>
           <p:cNvPicPr>
-            <a:picLocks noChangeAspect="1" noChangeArrowheads="1"/>
+            <a:picLocks noChangeAspect="1"/>
           </p:cNvPicPr>
           <p:nvPr/>
         </p:nvPicPr>
         <p:blipFill>
-          <a:blip r:embed="rId3"/>
-          <a:srcRect/>
+          <a:blip r:embed="rId3">
+            <a:extLst>
+              <a:ext uri="{28A0092B-C50C-407E-A947-70E740481C1C}">
+                <a14:useLocalDpi xmlns:a14="http://schemas.microsoft.com/office/drawing/2010/main" val="0"/>
+              </a:ext>
+            </a:extLst>
+          </a:blip>
           <a:stretch>
             <a:fillRect/>
           </a:stretch>
         </p:blipFill>
-        <p:spPr bwMode="auto">
+        <p:spPr>
           <a:xfrm>
-            <a:off x="1524000" y="2195513"/>
-            <a:ext cx="9196388" cy="2259012"/>
+            <a:off x="502024" y="2419349"/>
+            <a:ext cx="11134164" cy="3538894"/>
           </a:xfrm>
           <a:prstGeom prst="rect">
             <a:avLst/>
           </a:prstGeom>
-          <a:noFill/>
-          <a:ln w="9525">
-            <a:noFill/>
-            <a:miter lim="800000"/>
-            <a:headEnd/>
-            <a:tailEnd/>
-          </a:ln>
         </p:spPr>
       </p:pic>
     </p:spTree>
@@ -5179,13 +5165,6 @@
     <a:masterClrMapping/>
   </p:clrMapOvr>
   <p:transition/>
-  <p:timing>
-    <p:tnLst>
-      <p:par>
-        <p:cTn id="1" dur="indefinite" restart="never" nodeType="tmRoot"/>
-      </p:par>
-    </p:tnLst>
-  </p:timing>
 </p:sld>
 </file>
 
@@ -5225,9 +5204,9 @@
           <a:p>
             <a:fld id="{2304A905-ED1A-4633-88B3-7A6C464DC1BC}" type="datetime1">
               <a:rPr lang="en-US" smtClean="0"/>
-              <a:t>11/25/2015</a:t>
+              <a:t>12/23/2016</a:t>
             </a:fld>
-            <a:endParaRPr lang="en-US" smtClean="0"/>
+            <a:endParaRPr lang="en-US"/>
           </a:p>
         </p:txBody>
       </p:sp>
@@ -5249,7 +5228,7 @@
           <a:lstStyle/>
           <a:p>
             <a:r>
-              <a:rPr lang="en-US" dirty="0" smtClean="0"/>
+              <a:rPr lang="en-US" dirty="0"/>
               <a:t>TeamSTARS "tsWxGTUI_PyVx" Toolkit prepared &amp; presented by Richard S. Gordon</a:t>
             </a:r>
           </a:p>
@@ -5298,7 +5277,7 @@
           <a:p>
             <a:pPr eaLnBrk="1" hangingPunct="1"/>
             <a:r>
-              <a:rPr lang="en-US" dirty="0" smtClean="0"/>
+              <a:rPr lang="en-US" dirty="0"/>
               <a:t>Operator Terminal Features </a:t>
             </a:r>
             <a:r>
@@ -5312,10 +5291,10 @@
               <a:t>Table of Contents</a:t>
             </a:r>
             <a:r>
-              <a:rPr lang="en-US" sz="2000" dirty="0" smtClean="0"/>
+              <a:rPr lang="en-US" sz="2000" dirty="0"/>
               <a:t>)</a:t>
             </a:r>
-            <a:endParaRPr lang="en-US" sz="3200" dirty="0" smtClean="0"/>
+            <a:endParaRPr lang="en-US" sz="3200" dirty="0"/>
           </a:p>
         </p:txBody>
       </p:sp>
@@ -5341,41 +5320,17 @@
               <a:buNone/>
             </a:pPr>
             <a:r>
-              <a:rPr lang="en-US" sz="2400" dirty="0" smtClean="0"/>
-              <a:t>An </a:t>
-            </a:r>
-            <a:r>
               <a:rPr lang="en-US" sz="2400" dirty="0"/>
-              <a:t>embedded system may </a:t>
-            </a:r>
-            <a:r>
-              <a:rPr lang="en-US" sz="2400" dirty="0" smtClean="0"/>
-              <a:t>need one </a:t>
+              <a:t>An embedded system may need one or more operators with specialized skills and associated assigned duties, depending on system size and complexity.  The collaborating operators may each need to use one or more local and remote </a:t>
+            </a:r>
+            <a:r>
+              <a:rPr lang="en-US" sz="2400" b="1" dirty="0">
+                <a:hlinkClick r:id="rId3"/>
+              </a:rPr>
+              <a:t>computer terminal devices </a:t>
             </a:r>
             <a:r>
               <a:rPr lang="en-US" sz="2400" dirty="0"/>
-              <a:t>or more </a:t>
-            </a:r>
-            <a:r>
-              <a:rPr lang="en-US" sz="2400" dirty="0" smtClean="0"/>
-              <a:t>operators with specialized skills and associated assigned duties, depending </a:t>
-            </a:r>
-            <a:r>
-              <a:rPr lang="en-US" sz="2400" dirty="0"/>
-              <a:t>on </a:t>
-            </a:r>
-            <a:r>
-              <a:rPr lang="en-US" sz="2400" dirty="0" smtClean="0"/>
-              <a:t>system size and complexity.  The collaborating operators may each need to use one or more local and remote </a:t>
-            </a:r>
-            <a:r>
-              <a:rPr lang="en-US" sz="2400" b="1" dirty="0" smtClean="0">
-                <a:hlinkClick r:id="rId3"/>
-              </a:rPr>
-              <a:t>computer terminal devices </a:t>
-            </a:r>
-            <a:r>
-              <a:rPr lang="en-US" sz="2400" dirty="0" smtClean="0"/>
               <a:t>that each include:</a:t>
             </a:r>
           </a:p>
@@ -5386,16 +5341,8 @@
               </a:lnSpc>
             </a:pPr>
             <a:r>
-              <a:rPr lang="en-US" sz="2000" dirty="0" smtClean="0"/>
-              <a:t>A </a:t>
-            </a:r>
-            <a:r>
               <a:rPr lang="en-US" sz="2000" dirty="0"/>
-              <a:t>keyboard and mouse </a:t>
-            </a:r>
-            <a:r>
-              <a:rPr lang="en-US" sz="2000" dirty="0" smtClean="0"/>
-              <a:t>used by the operator to input monitoring and control selections and data.</a:t>
+              <a:t>A keyboard and mouse used by the operator to input monitoring and control selections and data.</a:t>
             </a:r>
           </a:p>
           <a:p>
@@ -5405,16 +5352,8 @@
               </a:lnSpc>
             </a:pPr>
             <a:r>
-              <a:rPr lang="en-US" sz="2000" dirty="0" smtClean="0"/>
-              <a:t>A display and optional printer used by the computer to output </a:t>
-            </a:r>
-            <a:r>
               <a:rPr lang="en-US" sz="2000" dirty="0"/>
-              <a:t>monitoring and control </a:t>
-            </a:r>
-            <a:r>
-              <a:rPr lang="en-US" sz="2000" dirty="0" smtClean="0"/>
-              <a:t>status, data, and troubleshooting information.</a:t>
+              <a:t>A display and optional printer used by the computer to output monitoring and control status, data, and troubleshooting information.</a:t>
             </a:r>
           </a:p>
         </p:txBody>
@@ -5430,13 +5369,6 @@
     <a:masterClrMapping/>
   </p:clrMapOvr>
   <p:transition/>
-  <p:timing>
-    <p:tnLst>
-      <p:par>
-        <p:cTn id="1" dur="indefinite" restart="never" nodeType="tmRoot"/>
-      </p:par>
-    </p:tnLst>
-  </p:timing>
 </p:sld>
 </file>
 
@@ -5474,23 +5406,23 @@
           <a:p>
             <a:pPr eaLnBrk="1" hangingPunct="1"/>
             <a:r>
-              <a:rPr lang="en-US" dirty="0" smtClean="0"/>
+              <a:rPr lang="en-US" dirty="0"/>
               <a:t>Table of Contents </a:t>
             </a:r>
             <a:r>
-              <a:rPr lang="en-US" sz="2000" dirty="0" smtClean="0"/>
+              <a:rPr lang="en-US" sz="2000" dirty="0"/>
               <a:t>(</a:t>
             </a:r>
             <a:r>
-              <a:rPr lang="en-US" sz="2000" i="1" dirty="0" smtClean="0"/>
+              <a:rPr lang="en-US" sz="2000" i="1" dirty="0"/>
               <a:t>with slide show</a:t>
             </a:r>
             <a:r>
-              <a:rPr lang="en-US" sz="2000" dirty="0" smtClean="0"/>
+              <a:rPr lang="en-US" sz="2000" dirty="0"/>
               <a:t> </a:t>
             </a:r>
             <a:r>
-              <a:rPr lang="en-US" sz="2000" u="sng" dirty="0" smtClean="0">
+              <a:rPr lang="en-US" sz="2000" u="sng" dirty="0">
                 <a:solidFill>
                   <a:srgbClr val="FF0000"/>
                 </a:solidFill>
@@ -5498,7 +5430,7 @@
               <a:t>Hyperlinks</a:t>
             </a:r>
             <a:r>
-              <a:rPr lang="en-US" sz="2000" dirty="0" smtClean="0"/>
+              <a:rPr lang="en-US" sz="2000" dirty="0"/>
               <a:t>)</a:t>
             </a:r>
           </a:p>
@@ -5520,25 +5452,25 @@
           <a:lstStyle/>
           <a:p>
             <a:r>
-              <a:rPr lang="en-US" dirty="0" smtClean="0">
+              <a:rPr lang="en-US" dirty="0">
                 <a:hlinkClick r:id="rId3" action="ppaction://hlinksldjump"/>
               </a:rPr>
               <a:t>System Applications</a:t>
             </a:r>
-            <a:endParaRPr lang="en-US" dirty="0" smtClean="0"/>
-          </a:p>
-          <a:p>
-            <a:r>
-              <a:rPr lang="en-US" dirty="0" smtClean="0">
+            <a:endParaRPr lang="en-US" dirty="0"/>
+          </a:p>
+          <a:p>
+            <a:r>
+              <a:rPr lang="en-US" dirty="0">
                 <a:hlinkClick r:id="rId4" action="ppaction://hlinksldjump"/>
               </a:rPr>
               <a:t>System Features</a:t>
             </a:r>
-            <a:endParaRPr lang="en-US" dirty="0" smtClean="0"/>
-          </a:p>
-          <a:p>
-            <a:r>
-              <a:rPr lang="en-US" dirty="0" smtClean="0">
+            <a:endParaRPr lang="en-US" dirty="0"/>
+          </a:p>
+          <a:p>
+            <a:r>
+              <a:rPr lang="en-US" dirty="0">
                 <a:hlinkClick r:id="rId5" action="ppaction://hlinksldjump"/>
               </a:rPr>
               <a:t>Operator Terminal Features</a:t>
@@ -5566,9 +5498,9 @@
           <a:p>
             <a:fld id="{594743C1-DE31-4E12-9F9F-1BA9DE6E7B96}" type="datetime1">
               <a:rPr lang="en-US" smtClean="0"/>
-              <a:t>11/25/2015</a:t>
+              <a:t>12/23/2016</a:t>
             </a:fld>
-            <a:endParaRPr lang="en-US" smtClean="0"/>
+            <a:endParaRPr lang="en-US"/>
           </a:p>
         </p:txBody>
       </p:sp>
@@ -5628,13 +5560,6 @@
     <a:masterClrMapping/>
   </p:clrMapOvr>
   <p:transition/>
-  <p:timing>
-    <p:tnLst>
-      <p:par>
-        <p:cTn id="1" dur="indefinite" restart="never" nodeType="tmRoot"/>
-      </p:par>
-    </p:tnLst>
-  </p:timing>
 </p:sld>
 </file>
 
@@ -5672,15 +5597,7 @@
           <a:p>
             <a:r>
               <a:rPr lang="en-US" dirty="0"/>
-              <a:t>System </a:t>
-            </a:r>
-            <a:r>
-              <a:rPr lang="en-US" dirty="0" smtClean="0"/>
-              <a:t>Applications</a:t>
-            </a:r>
-            <a:r>
-              <a:rPr lang="en-US" dirty="0"/>
-              <a:t> </a:t>
+              <a:t>System Applications </a:t>
             </a:r>
             <a:r>
               <a:rPr lang="en-US" sz="2000" dirty="0"/>
@@ -5754,11 +5671,7 @@
             </a:r>
             <a:r>
               <a:rPr lang="en-US" sz="2400" dirty="0"/>
-              <a:t> as part of a complete product often including hardware and mechanical parts</a:t>
-            </a:r>
-            <a:r>
-              <a:rPr lang="en-US" sz="2400" dirty="0" smtClean="0"/>
-              <a:t>.</a:t>
+              <a:t> as part of a complete product often including hardware and mechanical parts.</a:t>
             </a:r>
           </a:p>
           <a:p>
@@ -5778,12 +5691,8 @@
               <a:buNone/>
             </a:pPr>
             <a:r>
-              <a:rPr lang="en-US" sz="2400" dirty="0" smtClean="0"/>
-              <a:t>Mechanical </a:t>
-            </a:r>
-            <a:r>
               <a:rPr lang="en-US" sz="2400" dirty="0"/>
-              <a:t>and electrical system functions for such application as:</a:t>
+              <a:t>Mechanical and electrical system functions for such application as:</a:t>
             </a:r>
           </a:p>
           <a:p>
@@ -5805,11 +5714,7 @@
             </a:pPr>
             <a:r>
               <a:rPr lang="en-US" sz="2000" dirty="0"/>
-              <a:t>Industrial (electrical power generation</a:t>
-            </a:r>
-            <a:r>
-              <a:rPr lang="en-US" sz="2000" dirty="0" smtClean="0"/>
-              <a:t>)</a:t>
+              <a:t>Industrial (electrical power generation)</a:t>
             </a:r>
           </a:p>
           <a:p>
@@ -5819,12 +5724,12 @@
               </a:lnSpc>
             </a:pPr>
             <a:r>
-              <a:rPr lang="en-US" sz="1600" dirty="0" smtClean="0">
+              <a:rPr lang="en-US" sz="1600" dirty="0">
                 <a:hlinkClick r:id="rId2" action="ppaction://hlinksldjump"/>
               </a:rPr>
               <a:t>Block Diagram of an Embedded System</a:t>
             </a:r>
-            <a:endParaRPr lang="en-US" sz="1600" dirty="0" smtClean="0"/>
+            <a:endParaRPr lang="en-US" sz="1600" dirty="0"/>
           </a:p>
           <a:p>
             <a:pPr lvl="1" eaLnBrk="1" hangingPunct="1">
@@ -5833,7 +5738,7 @@
               </a:lnSpc>
             </a:pPr>
             <a:r>
-              <a:rPr lang="en-US" sz="1600" dirty="0" smtClean="0">
+              <a:rPr lang="en-US" sz="1600" dirty="0">
                 <a:hlinkClick r:id="rId3" action="ppaction://hlinksldjump"/>
               </a:rPr>
               <a:t>Embedded System Monitor &amp; Control Screenshot (prototype)</a:t>
@@ -5859,13 +5764,8 @@
             </a:pPr>
             <a:r>
               <a:rPr lang="en-US" sz="2000" dirty="0"/>
-              <a:t>Military (weapon control</a:t>
-            </a:r>
-            <a:r>
-              <a:rPr lang="en-US" sz="2000" dirty="0" smtClean="0"/>
-              <a:t>)</a:t>
-            </a:r>
-            <a:endParaRPr lang="en-US" sz="2000" dirty="0"/>
+              <a:t>Military (weapon control)</a:t>
+            </a:r>
           </a:p>
         </p:txBody>
       </p:sp>
@@ -5889,7 +5789,7 @@
             </a:pPr>
             <a:fld id="{44D06F95-D493-494F-B0EB-3EDFAA385886}" type="datetime1">
               <a:rPr lang="en-US" smtClean="0"/>
-              <a:t>11/25/2015</a:t>
+              <a:t>12/23/2016</a:t>
             </a:fld>
             <a:endParaRPr lang="en-US"/>
           </a:p>
@@ -5914,7 +5814,7 @@
               <a:defRPr/>
             </a:pPr>
             <a:r>
-              <a:rPr lang="en-US" smtClean="0"/>
+              <a:rPr lang="en-US"/>
               <a:t>TeamSTARS "tsWxGTUI_PyVx" Toolkit prepared &amp; presented by Richard S. Gordon</a:t>
             </a:r>
             <a:endParaRPr lang="en-US" dirty="0"/>
@@ -5955,13 +5855,6 @@
   <p:clrMapOvr>
     <a:masterClrMapping/>
   </p:clrMapOvr>
-  <p:timing>
-    <p:tnLst>
-      <p:par>
-        <p:cTn id="1" dur="indefinite" restart="never" nodeType="tmRoot"/>
-      </p:par>
-    </p:tnLst>
-  </p:timing>
 </p:sld>
 </file>
 
@@ -5998,12 +5891,8 @@
           <a:lstStyle/>
           <a:p>
             <a:r>
-              <a:rPr lang="en-US" dirty="0" smtClean="0"/>
-              <a:t>Block Diagram of an Embedded System</a:t>
-            </a:r>
-            <a:r>
               <a:rPr lang="en-US" dirty="0"/>
-              <a:t> </a:t>
+              <a:t>Block Diagram of an Embedded System </a:t>
             </a:r>
             <a:r>
               <a:rPr lang="en-US" sz="2000" dirty="0"/>
@@ -6067,44 +5956,37 @@
           <a:lstStyle/>
           <a:p>
             <a:r>
-              <a:rPr lang="en-US" sz="1800" dirty="0" smtClean="0">
+              <a:rPr lang="en-US" sz="1800" dirty="0">
                 <a:hlinkClick r:id="rId3"/>
               </a:rPr>
-              <a:t>Electric </a:t>
-            </a:r>
-            <a:r>
-              <a:rPr lang="en-US" sz="1800" dirty="0" smtClean="0">
-                <a:hlinkClick r:id="rId3"/>
-              </a:rPr>
-              <a:t>Power Station </a:t>
-            </a:r>
-            <a:r>
-              <a:rPr lang="en-US" sz="1800" dirty="0" smtClean="0"/>
+              <a:t>Electric Power Station </a:t>
+            </a:r>
+            <a:r>
+              <a:rPr lang="en-US" sz="1800" dirty="0"/>
               <a:t>with:</a:t>
             </a:r>
           </a:p>
           <a:p>
             <a:pPr lvl="1"/>
             <a:r>
-              <a:rPr lang="en-US" sz="1400" dirty="0" smtClean="0"/>
+              <a:rPr lang="en-US" sz="1400" dirty="0"/>
               <a:t>Local, multi-operator Control Room</a:t>
             </a:r>
-            <a:endParaRPr lang="en-US" sz="1400" dirty="0"/>
           </a:p>
           <a:p>
             <a:pPr lvl="1"/>
             <a:r>
-              <a:rPr lang="en-US" sz="1400" dirty="0" smtClean="0"/>
+              <a:rPr lang="en-US" sz="1400" dirty="0"/>
               <a:t>Remote Supervisory Control and Data Acquisition System (</a:t>
             </a:r>
             <a:r>
-              <a:rPr lang="en-US" sz="1400" dirty="0" smtClean="0">
+              <a:rPr lang="en-US" sz="1400" dirty="0">
                 <a:hlinkClick r:id="rId4"/>
               </a:rPr>
               <a:t>SCADA</a:t>
             </a:r>
             <a:r>
-              <a:rPr lang="en-US" sz="1400" dirty="0" smtClean="0"/>
+              <a:rPr lang="en-US" sz="1400" dirty="0"/>
               <a:t>)</a:t>
             </a:r>
           </a:p>
@@ -6112,54 +5994,36 @@
             <a:pPr lvl="1"/>
             <a:r>
               <a:rPr lang="en-US" sz="1400" dirty="0"/>
-              <a:t>R</a:t>
-            </a:r>
-            <a:r>
-              <a:rPr lang="en-US" sz="1400" dirty="0" smtClean="0"/>
-              <a:t>emote steam boiler manufacturer instrumentation and controls</a:t>
+              <a:t>Remote steam boiler manufacturer instrumentation and controls</a:t>
             </a:r>
           </a:p>
           <a:p>
             <a:pPr lvl="1"/>
             <a:r>
               <a:rPr lang="en-US" sz="1400" dirty="0"/>
-              <a:t>Remote </a:t>
-            </a:r>
-            <a:r>
-              <a:rPr lang="en-US" sz="1400" dirty="0" smtClean="0"/>
-              <a:t>electrical generator </a:t>
-            </a:r>
+              <a:t>Remote electrical generator manufacturer instrumentation and controls</a:t>
+            </a:r>
+          </a:p>
+          <a:p>
+            <a:pPr lvl="1"/>
             <a:r>
               <a:rPr lang="en-US" sz="1400" dirty="0"/>
-              <a:t>manufacturer </a:t>
-            </a:r>
-            <a:r>
-              <a:rPr lang="en-US" sz="1400" dirty="0" smtClean="0"/>
-              <a:t>instrumentation and controls</a:t>
-            </a:r>
-            <a:endParaRPr lang="en-US" sz="1400" dirty="0"/>
-          </a:p>
-          <a:p>
-            <a:pPr lvl="1"/>
-            <a:r>
-              <a:rPr lang="en-US" sz="1400" dirty="0" smtClean="0"/>
               <a:t>Remote steam turbine manufacturer instrumentation, controls and embedded computer for:</a:t>
             </a:r>
           </a:p>
           <a:p>
             <a:pPr lvl="2"/>
             <a:r>
-              <a:rPr lang="en-US" sz="1400" dirty="0" smtClean="0"/>
+              <a:rPr lang="en-US" sz="1400" dirty="0"/>
               <a:t>Analysis of thermal and rotational stresses</a:t>
             </a:r>
           </a:p>
           <a:p>
             <a:pPr lvl="2"/>
             <a:r>
-              <a:rPr lang="en-US" sz="1400" dirty="0" smtClean="0"/>
+              <a:rPr lang="en-US" sz="1400" dirty="0"/>
               <a:t>SCADA settings, in automatic mode, or Operator guidance, in manual mode, for turbine pre-warming, readiness for startup and safe speed holds and rate of rotational speed acceleration and power load changes</a:t>
             </a:r>
-            <a:endParaRPr lang="en-US" sz="1400" dirty="0"/>
           </a:p>
         </p:txBody>
       </p:sp>
@@ -6183,7 +6047,7 @@
             </a:pPr>
             <a:fld id="{44D06F95-D493-494F-B0EB-3EDFAA385886}" type="datetime1">
               <a:rPr lang="en-US" smtClean="0"/>
-              <a:t>11/25/2015</a:t>
+              <a:t>12/23/2016</a:t>
             </a:fld>
             <a:endParaRPr lang="en-US"/>
           </a:p>
@@ -6208,7 +6072,7 @@
               <a:defRPr/>
             </a:pPr>
             <a:r>
-              <a:rPr lang="en-US" smtClean="0"/>
+              <a:rPr lang="en-US"/>
               <a:t>TeamSTARS "tsWxGTUI_PyVx" Toolkit prepared &amp; presented by Richard S. Gordon</a:t>
             </a:r>
             <a:endParaRPr lang="en-US" dirty="0"/>
@@ -6249,13 +6113,6 @@
   <p:clrMapOvr>
     <a:masterClrMapping/>
   </p:clrMapOvr>
-  <p:timing>
-    <p:tnLst>
-      <p:par>
-        <p:cTn id="1" dur="indefinite" restart="never" nodeType="tmRoot"/>
-      </p:par>
-    </p:tnLst>
-  </p:timing>
 </p:sld>
 </file>
 
@@ -6293,22 +6150,18 @@
           <a:p>
             <a:r>
               <a:rPr lang="en-US" dirty="0"/>
-              <a:t>Embedded System </a:t>
-            </a:r>
-            <a:r>
-              <a:rPr lang="en-US" dirty="0" smtClean="0"/>
-              <a:t>Monitor &amp; Control Screenshot (</a:t>
-            </a:r>
-            <a:r>
-              <a:rPr lang="en-US" i="1" dirty="0" smtClean="0"/>
+              <a:t>Embedded System Monitor &amp; Control Screenshot (</a:t>
+            </a:r>
+            <a:r>
+              <a:rPr lang="en-US" i="1" dirty="0"/>
               <a:t>prototype</a:t>
             </a:r>
             <a:r>
-              <a:rPr lang="en-US" dirty="0" smtClean="0"/>
+              <a:rPr lang="en-US" dirty="0"/>
               <a:t>) </a:t>
             </a:r>
             <a:r>
-              <a:rPr lang="en-US" sz="2000" dirty="0" smtClean="0"/>
+              <a:rPr lang="en-US" sz="2000" dirty="0"/>
               <a:t>(</a:t>
             </a:r>
             <a:r>
@@ -6370,49 +6223,40 @@
           <a:lstStyle/>
           <a:p>
             <a:r>
-              <a:rPr lang="en-US" sz="2400" dirty="0" smtClean="0">
+              <a:rPr lang="en-US" sz="2400" dirty="0">
                 <a:hlinkClick r:id="rId3" action="ppaction://hlinksldjump"/>
               </a:rPr>
               <a:t>Turbine Sensor Input, Calculated Stress &amp; Life Expenditure Display (prototype)</a:t>
             </a:r>
             <a:r>
-              <a:rPr lang="en-US" sz="2400" dirty="0" smtClean="0"/>
+              <a:rPr lang="en-US" sz="2400" dirty="0"/>
               <a:t> (white text on blue background)</a:t>
             </a:r>
           </a:p>
           <a:p>
             <a:r>
-              <a:rPr lang="en-US" sz="2400" dirty="0" smtClean="0">
+              <a:rPr lang="en-US" sz="2400" dirty="0">
                 <a:cs typeface="Courier New" panose="02070309020205020404" pitchFamily="49" charset="0"/>
                 <a:hlinkClick r:id="rId4" action="ppaction://hlinksldjump"/>
               </a:rPr>
               <a:t>Checkup On Line Diagnostic &amp; Maintenance Report Dialog (prototype)</a:t>
             </a:r>
             <a:r>
-              <a:rPr lang="en-US" sz="2400" dirty="0" smtClean="0"/>
+              <a:rPr lang="en-US" sz="2400" dirty="0"/>
               <a:t>(blue text on white background)</a:t>
             </a:r>
           </a:p>
           <a:p>
             <a:r>
-              <a:rPr lang="en-US" sz="2400" dirty="0" smtClean="0">
+              <a:rPr lang="en-US" sz="2400" dirty="0">
                 <a:hlinkClick r:id="rId5" action="ppaction://hlinksldjump"/>
               </a:rPr>
               <a:t>Redirected Output (Operator Advisory Message) Display </a:t>
             </a:r>
             <a:r>
-              <a:rPr lang="en-US" sz="2400" dirty="0" smtClean="0"/>
-              <a:t>(</a:t>
-            </a:r>
-            <a:r>
               <a:rPr lang="en-US" sz="2400" dirty="0"/>
-              <a:t>white </a:t>
-            </a:r>
-            <a:r>
-              <a:rPr lang="en-US" sz="2400" dirty="0" smtClean="0"/>
-              <a:t>text n green background)</a:t>
-            </a:r>
-            <a:endParaRPr lang="en-US" sz="2400" dirty="0"/>
+              <a:t>(white text n green background)</a:t>
+            </a:r>
           </a:p>
         </p:txBody>
       </p:sp>
@@ -6436,7 +6280,7 @@
             </a:pPr>
             <a:fld id="{65B11A62-63AA-4067-ACEB-AA6A42CE3A38}" type="datetime1">
               <a:rPr lang="en-US" smtClean="0"/>
-              <a:t>11/25/2015</a:t>
+              <a:t>12/23/2016</a:t>
             </a:fld>
             <a:endParaRPr lang="en-US"/>
           </a:p>
@@ -6461,7 +6305,7 @@
               <a:defRPr/>
             </a:pPr>
             <a:r>
-              <a:rPr lang="en-US" smtClean="0"/>
+              <a:rPr lang="en-US"/>
               <a:t>TeamSTARS "tsWxGTUI_PyVx" Toolkit prepared &amp; presented by Richard S. Gordon</a:t>
             </a:r>
             <a:endParaRPr lang="en-US" dirty="0"/>
@@ -6502,13 +6346,6 @@
   <p:clrMapOvr>
     <a:masterClrMapping/>
   </p:clrMapOvr>
-  <p:timing>
-    <p:tnLst>
-      <p:par>
-        <p:cTn id="1" dur="indefinite" restart="never" nodeType="tmRoot"/>
-      </p:par>
-    </p:tnLst>
-  </p:timing>
 </p:sld>
 </file>
 
@@ -6546,26 +6383,14 @@
           <a:p>
             <a:r>
               <a:rPr lang="en-US" sz="3600" dirty="0"/>
-              <a:t>Turbine Sensor </a:t>
-            </a:r>
-            <a:r>
-              <a:rPr lang="en-US" sz="3600" dirty="0" smtClean="0"/>
-              <a:t>Input, </a:t>
+              <a:t>Turbine Sensor Input, Calculated Stress &amp; Life Expenditure Display (</a:t>
+            </a:r>
+            <a:r>
+              <a:rPr lang="en-US" sz="3600" i="1" dirty="0"/>
+              <a:t>prototype</a:t>
             </a:r>
             <a:r>
               <a:rPr lang="en-US" sz="3600" dirty="0"/>
-              <a:t>Calculated Stress </a:t>
-            </a:r>
-            <a:r>
-              <a:rPr lang="en-US" sz="3600" dirty="0" smtClean="0"/>
-              <a:t>&amp; Life Expenditure Display (</a:t>
-            </a:r>
-            <a:r>
-              <a:rPr lang="en-US" sz="3600" i="1" dirty="0" smtClean="0"/>
-              <a:t>prototype</a:t>
-            </a:r>
-            <a:r>
-              <a:rPr lang="en-US" sz="3600" dirty="0" smtClean="0"/>
               <a:t>) </a:t>
             </a:r>
             <a:r>
@@ -7029,7 +6854,7 @@
               </a:tabLst>
             </a:pPr>
             <a:r>
-              <a:rPr kumimoji="0" lang="en-US" altLang="en-US" sz="1400" b="1" i="0" u="none" strike="noStrike" cap="none" normalizeH="0" baseline="0" dirty="0" smtClean="0">
+              <a:rPr kumimoji="0" lang="en-US" altLang="en-US" sz="1400" b="1" i="0" u="none" strike="noStrike" cap="none" normalizeH="0" baseline="0" dirty="0">
                 <a:ln>
                   <a:noFill/>
                 </a:ln>
@@ -7044,7 +6869,7 @@
               <a:t>1986/02/12  11:51:28     TURBINE ROTOR STRESS MONITOR         mode:  </a:t>
             </a:r>
             <a:r>
-              <a:rPr kumimoji="0" lang="en-US" altLang="en-US" sz="1400" b="1" i="0" u="none" strike="noStrike" cap="none" normalizeH="0" baseline="0" dirty="0" smtClean="0">
+              <a:rPr kumimoji="0" lang="en-US" altLang="en-US" sz="1400" b="1" i="0" u="none" strike="noStrike" cap="none" normalizeH="0" baseline="0" dirty="0">
                 <a:ln>
                   <a:noFill/>
                 </a:ln>
@@ -7061,7 +6886,7 @@
               <a:t>ON‑LINE</a:t>
             </a:r>
             <a:r>
-              <a:rPr kumimoji="0" lang="en-US" altLang="en-US" sz="1400" b="1" i="0" u="none" strike="noStrike" cap="none" normalizeH="0" baseline="0" dirty="0" smtClean="0">
+              <a:rPr kumimoji="0" lang="en-US" altLang="en-US" sz="1400" b="1" i="0" u="none" strike="noStrike" cap="none" normalizeH="0" baseline="0" dirty="0">
                 <a:ln>
                   <a:noFill/>
                 </a:ln>
@@ -7075,7 +6900,7 @@
               </a:rPr>
               <a:t>  </a:t>
             </a:r>
-            <a:endParaRPr kumimoji="0" lang="en-US" altLang="en-US" sz="1400" b="1" i="0" u="none" strike="noStrike" cap="none" normalizeH="0" baseline="0" dirty="0" smtClean="0">
+            <a:endParaRPr kumimoji="0" lang="en-US" altLang="en-US" sz="1400" b="1" i="0" u="none" strike="noStrike" cap="none" normalizeH="0" baseline="0" dirty="0">
               <a:ln>
                 <a:noFill/>
               </a:ln>
@@ -7131,7 +6956,7 @@
               </a:tabLst>
             </a:pPr>
             <a:r>
-              <a:rPr kumimoji="0" lang="en-US" altLang="en-US" sz="1400" b="1" i="0" u="none" strike="noStrike" cap="none" normalizeH="0" baseline="0" dirty="0" smtClean="0">
+              <a:rPr kumimoji="0" lang="en-US" altLang="en-US" sz="1400" b="1" i="0" u="none" strike="noStrike" cap="none" normalizeH="0" baseline="0" dirty="0">
                 <a:ln>
                   <a:noFill/>
                 </a:ln>
@@ -7146,7 +6971,7 @@
               <a:t>Turbine Location   Temperature  ‑‑Stress‑‑  </a:t>
             </a:r>
             <a:r>
-              <a:rPr kumimoji="0" lang="en-US" altLang="en-US" sz="1400" b="1" i="0" u="none" strike="noStrike" cap="none" normalizeH="0" baseline="0" dirty="0" err="1" smtClean="0">
+              <a:rPr kumimoji="0" lang="en-US" altLang="en-US" sz="1400" b="1" i="0" u="none" strike="noStrike" cap="none" normalizeH="0" baseline="0" dirty="0" err="1">
                 <a:ln>
                   <a:noFill/>
                 </a:ln>
@@ -7161,7 +6986,7 @@
               <a:t>Pred</a:t>
             </a:r>
             <a:r>
-              <a:rPr kumimoji="0" lang="en-US" altLang="en-US" sz="1400" b="1" i="0" u="none" strike="noStrike" cap="none" normalizeH="0" baseline="0" dirty="0" smtClean="0">
+              <a:rPr kumimoji="0" lang="en-US" altLang="en-US" sz="1400" b="1" i="0" u="none" strike="noStrike" cap="none" normalizeH="0" baseline="0" dirty="0">
                 <a:ln>
                   <a:noFill/>
                 </a:ln>
@@ -7175,7 +7000,7 @@
               </a:rPr>
               <a:t>  ‑‑Total Life Expenditure‑‑  </a:t>
             </a:r>
-            <a:endParaRPr kumimoji="0" lang="en-US" altLang="en-US" sz="1400" b="1" i="0" u="none" strike="noStrike" cap="none" normalizeH="0" baseline="0" dirty="0" smtClean="0">
+            <a:endParaRPr kumimoji="0" lang="en-US" altLang="en-US" sz="1400" b="1" i="0" u="none" strike="noStrike" cap="none" normalizeH="0" baseline="0" dirty="0">
               <a:ln>
                 <a:noFill/>
               </a:ln>
@@ -7231,7 +7056,7 @@
               </a:tabLst>
             </a:pPr>
             <a:r>
-              <a:rPr kumimoji="0" lang="en-US" altLang="en-US" sz="1400" b="1" i="0" u="none" strike="noStrike" cap="none" normalizeH="0" baseline="0" dirty="0" smtClean="0">
+              <a:rPr kumimoji="0" lang="en-US" altLang="en-US" sz="1400" b="1" i="0" u="none" strike="noStrike" cap="none" normalizeH="0" baseline="0" dirty="0">
                 <a:ln>
                   <a:noFill/>
                 </a:ln>
@@ -7245,7 +7070,7 @@
               </a:rPr>
               <a:t>‑‑‑‑‑‑‑‑‑‑‑‑‑‑‑‑‑‑‑‑‑‑‑‑‑‑‑‑‑‑‑‑‑‑‑‑‑‑‑‑‑‑‑‑‑‑‑‑‑‑‑‑‑‑‑‑‑‑‑‑‑‑‑‑‑‑‑‑‑‑‑‑‑‑‑‑</a:t>
             </a:r>
-            <a:endParaRPr kumimoji="0" lang="en-US" altLang="en-US" sz="1400" b="1" i="0" u="none" strike="noStrike" cap="none" normalizeH="0" baseline="0" dirty="0" smtClean="0">
+            <a:endParaRPr kumimoji="0" lang="en-US" altLang="en-US" sz="1400" b="1" i="0" u="none" strike="noStrike" cap="none" normalizeH="0" baseline="0" dirty="0">
               <a:ln>
                 <a:noFill/>
               </a:ln>
@@ -7301,7 +7126,7 @@
               </a:tabLst>
             </a:pPr>
             <a:r>
-              <a:rPr kumimoji="0" lang="en-US" altLang="en-US" sz="1400" b="1" i="0" u="none" strike="noStrike" cap="none" normalizeH="0" baseline="0" dirty="0" smtClean="0">
+              <a:rPr kumimoji="0" lang="en-US" altLang="en-US" sz="1400" b="1" i="0" u="none" strike="noStrike" cap="none" normalizeH="0" baseline="0" dirty="0">
                 <a:ln>
                   <a:noFill/>
                 </a:ln>
@@ -7316,7 +7141,7 @@
               <a:t>                   </a:t>
             </a:r>
             <a:r>
-              <a:rPr kumimoji="0" lang="en-US" altLang="en-US" sz="1400" b="1" i="0" u="sng" strike="noStrike" cap="none" normalizeH="0" baseline="0" dirty="0" smtClean="0">
+              <a:rPr kumimoji="0" lang="en-US" altLang="en-US" sz="1400" b="1" i="0" u="sng" strike="noStrike" cap="none" normalizeH="0" baseline="0" dirty="0">
                 <a:ln>
                   <a:noFill/>
                 </a:ln>
@@ -7331,7 +7156,7 @@
               <a:t>Shell</a:t>
             </a:r>
             <a:r>
-              <a:rPr kumimoji="0" lang="en-US" altLang="en-US" sz="1400" b="1" i="0" u="none" strike="noStrike" cap="none" normalizeH="0" baseline="0" dirty="0" smtClean="0">
+              <a:rPr kumimoji="0" lang="en-US" altLang="en-US" sz="1400" b="1" i="0" u="none" strike="noStrike" cap="none" normalizeH="0" baseline="0" dirty="0">
                 <a:ln>
                   <a:noFill/>
                 </a:ln>
@@ -7346,7 +7171,7 @@
               <a:t>  </a:t>
             </a:r>
             <a:r>
-              <a:rPr kumimoji="0" lang="en-US" altLang="en-US" sz="1400" b="1" i="0" u="sng" strike="noStrike" cap="none" normalizeH="0" baseline="0" dirty="0" smtClean="0">
+              <a:rPr kumimoji="0" lang="en-US" altLang="en-US" sz="1400" b="1" i="0" u="sng" strike="noStrike" cap="none" normalizeH="0" baseline="0" dirty="0">
                 <a:ln>
                   <a:noFill/>
                 </a:ln>
@@ -7361,7 +7186,7 @@
               <a:t>Bore</a:t>
             </a:r>
             <a:r>
-              <a:rPr kumimoji="0" lang="en-US" altLang="en-US" sz="1400" b="1" i="0" u="none" strike="noStrike" cap="none" normalizeH="0" baseline="0" dirty="0" smtClean="0">
+              <a:rPr kumimoji="0" lang="en-US" altLang="en-US" sz="1400" b="1" i="0" u="none" strike="noStrike" cap="none" normalizeH="0" baseline="0" dirty="0">
                 <a:ln>
                   <a:noFill/>
                 </a:ln>
@@ -7376,7 +7201,7 @@
               <a:t>  </a:t>
             </a:r>
             <a:r>
-              <a:rPr kumimoji="0" lang="en-US" altLang="en-US" sz="1400" b="1" i="0" u="sng" strike="noStrike" cap="none" normalizeH="0" baseline="0" dirty="0" smtClean="0">
+              <a:rPr kumimoji="0" lang="en-US" altLang="en-US" sz="1400" b="1" i="0" u="sng" strike="noStrike" cap="none" normalizeH="0" baseline="0" dirty="0">
                 <a:ln>
                   <a:noFill/>
                 </a:ln>
@@ -7391,7 +7216,7 @@
               <a:t>Surf</a:t>
             </a:r>
             <a:r>
-              <a:rPr kumimoji="0" lang="en-US" altLang="en-US" sz="1400" b="1" i="0" u="none" strike="noStrike" cap="none" normalizeH="0" baseline="0" dirty="0" smtClean="0">
+              <a:rPr kumimoji="0" lang="en-US" altLang="en-US" sz="1400" b="1" i="0" u="none" strike="noStrike" cap="none" normalizeH="0" baseline="0" dirty="0">
                 <a:ln>
                   <a:noFill/>
                 </a:ln>
@@ -7406,7 +7231,7 @@
               <a:t>  </a:t>
             </a:r>
             <a:r>
-              <a:rPr kumimoji="0" lang="en-US" altLang="en-US" sz="1400" b="1" i="0" u="sng" strike="noStrike" cap="none" normalizeH="0" baseline="0" dirty="0" smtClean="0">
+              <a:rPr kumimoji="0" lang="en-US" altLang="en-US" sz="1400" b="1" i="0" u="sng" strike="noStrike" cap="none" normalizeH="0" baseline="0" dirty="0">
                 <a:ln>
                   <a:noFill/>
                 </a:ln>
@@ -7421,7 +7246,7 @@
               <a:t>Bore</a:t>
             </a:r>
             <a:r>
-              <a:rPr kumimoji="0" lang="en-US" altLang="en-US" sz="1400" b="1" i="0" u="none" strike="noStrike" cap="none" normalizeH="0" baseline="0" dirty="0" smtClean="0">
+              <a:rPr kumimoji="0" lang="en-US" altLang="en-US" sz="1400" b="1" i="0" u="none" strike="noStrike" cap="none" normalizeH="0" baseline="0" dirty="0">
                 <a:ln>
                   <a:noFill/>
                 </a:ln>
@@ -7436,7 +7261,7 @@
               <a:t>  </a:t>
             </a:r>
             <a:r>
-              <a:rPr kumimoji="0" lang="en-US" altLang="en-US" sz="1400" b="1" i="0" u="sng" strike="noStrike" cap="none" normalizeH="0" baseline="0" dirty="0" err="1" smtClean="0">
+              <a:rPr kumimoji="0" lang="en-US" altLang="en-US" sz="1400" b="1" i="0" u="sng" strike="noStrike" cap="none" normalizeH="0" baseline="0" dirty="0" err="1">
                 <a:ln>
                   <a:noFill/>
                 </a:ln>
@@ -7451,7 +7276,7 @@
               <a:t>Bore</a:t>
             </a:r>
             <a:r>
-              <a:rPr kumimoji="0" lang="en-US" altLang="en-US" sz="1400" b="1" i="0" u="none" strike="noStrike" cap="none" normalizeH="0" baseline="0" dirty="0" smtClean="0">
+              <a:rPr kumimoji="0" lang="en-US" altLang="en-US" sz="1400" b="1" i="0" u="none" strike="noStrike" cap="none" normalizeH="0" baseline="0" dirty="0">
                 <a:ln>
                   <a:noFill/>
                 </a:ln>
@@ -7466,7 +7291,7 @@
               <a:t>  </a:t>
             </a:r>
             <a:r>
-              <a:rPr kumimoji="0" lang="en-US" altLang="en-US" sz="1400" b="1" i="0" u="sng" strike="noStrike" cap="none" normalizeH="0" baseline="0" dirty="0" smtClean="0">
+              <a:rPr kumimoji="0" lang="en-US" altLang="en-US" sz="1400" b="1" i="0" u="sng" strike="noStrike" cap="none" normalizeH="0" baseline="0" dirty="0">
                 <a:ln>
                   <a:noFill/>
                 </a:ln>
@@ -7481,7 +7306,7 @@
               <a:t>CLE (%)</a:t>
             </a:r>
             <a:r>
-              <a:rPr kumimoji="0" lang="en-US" altLang="en-US" sz="1400" b="1" i="0" strike="noStrike" cap="none" normalizeH="0" baseline="0" dirty="0" smtClean="0">
+              <a:rPr kumimoji="0" lang="en-US" altLang="en-US" sz="1400" b="1" i="0" strike="noStrike" cap="none" normalizeH="0" baseline="0" dirty="0">
                 <a:ln>
                   <a:noFill/>
                 </a:ln>
@@ -7496,7 +7321,7 @@
               <a:t>  </a:t>
             </a:r>
             <a:r>
-              <a:rPr kumimoji="0" lang="en-US" altLang="en-US" sz="1400" b="1" i="0" u="sng" strike="noStrike" cap="none" normalizeH="0" baseline="0" dirty="0" smtClean="0">
+              <a:rPr kumimoji="0" lang="en-US" altLang="en-US" sz="1400" b="1" i="0" u="sng" strike="noStrike" cap="none" normalizeH="0" baseline="0" dirty="0">
                 <a:ln>
                   <a:noFill/>
                 </a:ln>
@@ -7511,7 +7336,7 @@
               <a:t>Zone1</a:t>
             </a:r>
             <a:r>
-              <a:rPr kumimoji="0" lang="en-US" altLang="en-US" sz="1400" b="1" i="0" u="none" strike="noStrike" cap="none" normalizeH="0" baseline="0" dirty="0" smtClean="0">
+              <a:rPr kumimoji="0" lang="en-US" altLang="en-US" sz="1400" b="1" i="0" u="none" strike="noStrike" cap="none" normalizeH="0" baseline="0" dirty="0">
                 <a:ln>
                   <a:noFill/>
                 </a:ln>
@@ -7526,7 +7351,7 @@
               <a:t> </a:t>
             </a:r>
             <a:r>
-              <a:rPr kumimoji="0" lang="en-US" altLang="en-US" sz="1400" b="1" i="0" u="sng" strike="noStrike" cap="none" normalizeH="0" baseline="0" dirty="0" smtClean="0">
+              <a:rPr kumimoji="0" lang="en-US" altLang="en-US" sz="1400" b="1" i="0" u="sng" strike="noStrike" cap="none" normalizeH="0" baseline="0" dirty="0">
                 <a:ln>
                   <a:noFill/>
                 </a:ln>
@@ -7541,7 +7366,7 @@
               <a:t>Zone2</a:t>
             </a:r>
             <a:r>
-              <a:rPr kumimoji="0" lang="en-US" altLang="en-US" sz="1400" b="1" i="0" u="none" strike="noStrike" cap="none" normalizeH="0" baseline="0" dirty="0" smtClean="0">
+              <a:rPr kumimoji="0" lang="en-US" altLang="en-US" sz="1400" b="1" i="0" u="none" strike="noStrike" cap="none" normalizeH="0" baseline="0" dirty="0">
                 <a:ln>
                   <a:noFill/>
                 </a:ln>
@@ -7556,7 +7381,7 @@
               <a:t> </a:t>
             </a:r>
             <a:r>
-              <a:rPr kumimoji="0" lang="en-US" altLang="en-US" sz="1400" b="1" i="0" u="sng" strike="noStrike" cap="none" normalizeH="0" baseline="0" dirty="0" smtClean="0">
+              <a:rPr kumimoji="0" lang="en-US" altLang="en-US" sz="1400" b="1" i="0" u="sng" strike="noStrike" cap="none" normalizeH="0" baseline="0" dirty="0">
                 <a:ln>
                   <a:noFill/>
                 </a:ln>
@@ -7571,7 +7396,7 @@
               <a:t>Zone3</a:t>
             </a:r>
             <a:r>
-              <a:rPr kumimoji="0" lang="en-US" altLang="en-US" sz="1400" b="1" i="0" u="none" strike="noStrike" cap="none" normalizeH="0" baseline="0" dirty="0" smtClean="0">
+              <a:rPr kumimoji="0" lang="en-US" altLang="en-US" sz="1400" b="1" i="0" u="none" strike="noStrike" cap="none" normalizeH="0" baseline="0" dirty="0">
                 <a:ln>
                   <a:noFill/>
                 </a:ln>
@@ -7585,7 +7410,7 @@
               </a:rPr>
               <a:t>  </a:t>
             </a:r>
-            <a:endParaRPr kumimoji="0" lang="en-US" altLang="en-US" sz="1400" b="1" i="0" u="none" strike="noStrike" cap="none" normalizeH="0" baseline="0" dirty="0" smtClean="0">
+            <a:endParaRPr kumimoji="0" lang="en-US" altLang="en-US" sz="1400" b="1" i="0" u="none" strike="noStrike" cap="none" normalizeH="0" baseline="0" dirty="0">
               <a:ln>
                 <a:noFill/>
               </a:ln>
@@ -7641,7 +7466,7 @@
               </a:tabLst>
             </a:pPr>
             <a:r>
-              <a:rPr kumimoji="0" lang="en-US" altLang="en-US" sz="1400" b="1" i="0" u="none" strike="noStrike" cap="none" normalizeH="0" baseline="0" dirty="0" smtClean="0">
+              <a:rPr kumimoji="0" lang="en-US" altLang="en-US" sz="1400" b="1" i="0" u="none" strike="noStrike" cap="none" normalizeH="0" baseline="0" dirty="0">
                 <a:ln>
                   <a:noFill/>
                 </a:ln>
@@ -7656,7 +7481,7 @@
               <a:t>HP 1st Stage (HP)   </a:t>
             </a:r>
             <a:r>
-              <a:rPr kumimoji="0" lang="en-US" altLang="en-US" sz="1400" b="1" i="0" u="none" strike="noStrike" cap="none" normalizeH="0" baseline="0" dirty="0" smtClean="0">
+              <a:rPr kumimoji="0" lang="en-US" altLang="en-US" sz="1400" b="1" i="0" u="none" strike="noStrike" cap="none" normalizeH="0" baseline="0" dirty="0">
                 <a:ln>
                   <a:noFill/>
                 </a:ln>
@@ -7671,7 +7496,7 @@
               <a:t>****  ****  ****  ****  ****    </a:t>
             </a:r>
             <a:r>
-              <a:rPr kumimoji="0" lang="en-US" altLang="en-US" sz="1400" b="1" i="0" u="none" strike="noStrike" cap="none" normalizeH="0" baseline="0" dirty="0" smtClean="0">
+              <a:rPr kumimoji="0" lang="en-US" altLang="en-US" sz="1400" b="1" i="0" u="none" strike="noStrike" cap="none" normalizeH="0" baseline="0" dirty="0">
                 <a:ln>
                   <a:noFill/>
                 </a:ln>
@@ -7686,7 +7511,7 @@
               <a:t>0.000  </a:t>
             </a:r>
             <a:r>
-              <a:rPr kumimoji="0" lang="en-US" altLang="en-US" sz="1400" b="1" i="0" u="none" strike="noStrike" cap="none" normalizeH="0" baseline="0" dirty="0" smtClean="0">
+              <a:rPr kumimoji="0" lang="en-US" altLang="en-US" sz="1400" b="1" i="0" u="none" strike="noStrike" cap="none" normalizeH="0" baseline="0" dirty="0">
                 <a:ln>
                   <a:noFill/>
                 </a:ln>
@@ -7700,7 +7525,7 @@
               </a:rPr>
               <a:t>***** ***** *****  </a:t>
             </a:r>
-            <a:endParaRPr kumimoji="0" lang="en-US" altLang="en-US" sz="1400" b="1" i="0" u="none" strike="noStrike" cap="none" normalizeH="0" baseline="0" dirty="0" smtClean="0">
+            <a:endParaRPr kumimoji="0" lang="en-US" altLang="en-US" sz="1400" b="1" i="0" u="none" strike="noStrike" cap="none" normalizeH="0" baseline="0" dirty="0">
               <a:ln>
                 <a:noFill/>
               </a:ln>
@@ -7756,7 +7581,7 @@
               </a:tabLst>
             </a:pPr>
             <a:r>
-              <a:rPr kumimoji="0" lang="en-US" altLang="en-US" sz="1400" b="1" i="0" u="none" strike="noStrike" cap="none" normalizeH="0" baseline="0" dirty="0" smtClean="0">
+              <a:rPr kumimoji="0" lang="en-US" altLang="en-US" sz="1400" b="1" i="0" u="none" strike="noStrike" cap="none" normalizeH="0" baseline="0" dirty="0">
                 <a:ln>
                   <a:noFill/>
                 </a:ln>
@@ -7771,7 +7596,7 @@
               <a:t>RH Bowl      (RH)   </a:t>
             </a:r>
             <a:r>
-              <a:rPr kumimoji="0" lang="en-US" altLang="en-US" sz="1400" b="1" i="0" u="none" strike="noStrike" cap="none" normalizeH="0" baseline="0" dirty="0" smtClean="0">
+              <a:rPr kumimoji="0" lang="en-US" altLang="en-US" sz="1400" b="1" i="0" u="none" strike="noStrike" cap="none" normalizeH="0" baseline="0" dirty="0">
                 <a:ln>
                   <a:noFill/>
                 </a:ln>
@@ -7786,7 +7611,7 @@
               <a:t>****  ****  ****  ****  ****    </a:t>
             </a:r>
             <a:r>
-              <a:rPr kumimoji="0" lang="en-US" altLang="en-US" sz="1400" b="1" i="0" u="none" strike="noStrike" cap="none" normalizeH="0" baseline="0" dirty="0" smtClean="0">
+              <a:rPr kumimoji="0" lang="en-US" altLang="en-US" sz="1400" b="1" i="0" u="none" strike="noStrike" cap="none" normalizeH="0" baseline="0" dirty="0">
                 <a:ln>
                   <a:noFill/>
                 </a:ln>
@@ -7801,7 +7626,7 @@
               <a:t>0.000  </a:t>
             </a:r>
             <a:r>
-              <a:rPr kumimoji="0" lang="en-US" altLang="en-US" sz="1400" b="1" i="0" u="none" strike="noStrike" cap="none" normalizeH="0" baseline="0" dirty="0" smtClean="0">
+              <a:rPr kumimoji="0" lang="en-US" altLang="en-US" sz="1400" b="1" i="0" u="none" strike="noStrike" cap="none" normalizeH="0" baseline="0" dirty="0">
                 <a:ln>
                   <a:noFill/>
                 </a:ln>
@@ -7815,7 +7640,7 @@
               </a:rPr>
               <a:t>***** ***** *****  </a:t>
             </a:r>
-            <a:endParaRPr kumimoji="0" lang="en-US" altLang="en-US" sz="1400" b="1" i="0" u="none" strike="noStrike" cap="none" normalizeH="0" baseline="0" dirty="0" smtClean="0">
+            <a:endParaRPr kumimoji="0" lang="en-US" altLang="en-US" sz="1400" b="1" i="0" u="none" strike="noStrike" cap="none" normalizeH="0" baseline="0" dirty="0">
               <a:ln>
                 <a:noFill/>
               </a:ln>
@@ -7871,7 +7696,7 @@
               </a:tabLst>
             </a:pPr>
             <a:r>
-              <a:rPr kumimoji="0" lang="en-US" altLang="en-US" sz="1400" b="1" i="0" u="none" strike="noStrike" cap="none" normalizeH="0" baseline="0" dirty="0" smtClean="0">
+              <a:rPr kumimoji="0" lang="en-US" altLang="en-US" sz="1400" b="1" i="0" u="none" strike="noStrike" cap="none" normalizeH="0" baseline="0" dirty="0">
                 <a:ln>
                   <a:noFill/>
                 </a:ln>
@@ -7886,7 +7711,7 @@
               <a:t>Crossover    (XO)   </a:t>
             </a:r>
             <a:r>
-              <a:rPr kumimoji="0" lang="en-US" altLang="en-US" sz="1400" b="1" i="0" u="none" strike="noStrike" cap="none" normalizeH="0" baseline="0" dirty="0" smtClean="0">
+              <a:rPr kumimoji="0" lang="en-US" altLang="en-US" sz="1400" b="1" i="0" u="none" strike="noStrike" cap="none" normalizeH="0" baseline="0" dirty="0">
                 <a:ln>
                   <a:noFill/>
                 </a:ln>
@@ -7901,7 +7726,7 @@
               <a:t>****  ****  ****  ****  ****    </a:t>
             </a:r>
             <a:r>
-              <a:rPr kumimoji="0" lang="en-US" altLang="en-US" sz="1400" b="1" i="0" u="none" strike="noStrike" cap="none" normalizeH="0" baseline="0" dirty="0" smtClean="0">
+              <a:rPr kumimoji="0" lang="en-US" altLang="en-US" sz="1400" b="1" i="0" u="none" strike="noStrike" cap="none" normalizeH="0" baseline="0" dirty="0">
                 <a:ln>
                   <a:noFill/>
                 </a:ln>
@@ -7916,7 +7741,7 @@
               <a:t>0.000  </a:t>
             </a:r>
             <a:r>
-              <a:rPr kumimoji="0" lang="en-US" altLang="en-US" sz="1400" b="1" i="0" u="none" strike="noStrike" cap="none" normalizeH="0" baseline="0" dirty="0" smtClean="0">
+              <a:rPr kumimoji="0" lang="en-US" altLang="en-US" sz="1400" b="1" i="0" u="none" strike="noStrike" cap="none" normalizeH="0" baseline="0" dirty="0">
                 <a:ln>
                   <a:noFill/>
                 </a:ln>
@@ -7930,7 +7755,7 @@
               </a:rPr>
               <a:t>***** ***** *****  </a:t>
             </a:r>
-            <a:endParaRPr kumimoji="0" lang="en-US" altLang="en-US" sz="1400" b="1" i="0" u="none" strike="noStrike" cap="none" normalizeH="0" baseline="0" dirty="0" smtClean="0">
+            <a:endParaRPr kumimoji="0" lang="en-US" altLang="en-US" sz="1400" b="1" i="0" u="none" strike="noStrike" cap="none" normalizeH="0" baseline="0" dirty="0">
               <a:ln>
                 <a:noFill/>
               </a:ln>
@@ -7986,7 +7811,7 @@
               </a:tabLst>
             </a:pPr>
             <a:r>
-              <a:rPr kumimoji="0" lang="en-US" altLang="en-US" sz="1400" b="1" i="0" u="none" strike="noStrike" cap="none" normalizeH="0" baseline="0" dirty="0" smtClean="0">
+              <a:rPr kumimoji="0" lang="en-US" altLang="en-US" sz="1400" b="1" i="0" u="none" strike="noStrike" cap="none" normalizeH="0" baseline="0" dirty="0">
                 <a:ln>
                   <a:noFill/>
                 </a:ln>
@@ -8001,7 +7826,7 @@
               <a:t>                    </a:t>
             </a:r>
             <a:r>
-              <a:rPr kumimoji="0" lang="en-US" altLang="en-US" sz="1400" b="1" i="0" u="none" strike="noStrike" cap="none" normalizeH="0" baseline="0" dirty="0" smtClean="0">
+              <a:rPr kumimoji="0" lang="en-US" altLang="en-US" sz="1400" b="1" i="0" u="none" strike="noStrike" cap="none" normalizeH="0" baseline="0" dirty="0">
                 <a:ln>
                   <a:noFill/>
                 </a:ln>
@@ -8016,7 +7841,7 @@
               <a:t>Not Valid until ... 12:51:28</a:t>
             </a:r>
             <a:r>
-              <a:rPr kumimoji="0" lang="en-US" altLang="en-US" sz="1400" b="1" i="0" u="none" strike="noStrike" cap="none" normalizeH="0" baseline="0" dirty="0" smtClean="0">
+              <a:rPr kumimoji="0" lang="en-US" altLang="en-US" sz="1400" b="1" i="0" u="none" strike="noStrike" cap="none" normalizeH="0" baseline="0" dirty="0">
                 <a:ln>
                   <a:noFill/>
                 </a:ln>
@@ -8030,7 +7855,7 @@
               </a:rPr>
               <a:t>                              </a:t>
             </a:r>
-            <a:endParaRPr kumimoji="0" lang="en-US" altLang="en-US" sz="1400" b="1" i="0" u="none" strike="noStrike" cap="none" normalizeH="0" baseline="0" dirty="0" smtClean="0">
+            <a:endParaRPr kumimoji="0" lang="en-US" altLang="en-US" sz="1400" b="1" i="0" u="none" strike="noStrike" cap="none" normalizeH="0" baseline="0" dirty="0">
               <a:ln>
                 <a:noFill/>
               </a:ln>
@@ -8086,7 +7911,7 @@
               </a:tabLst>
             </a:pPr>
             <a:r>
-              <a:rPr kumimoji="0" lang="en-US" altLang="en-US" sz="1400" b="1" i="0" u="none" strike="noStrike" cap="none" normalizeH="0" baseline="0" dirty="0" smtClean="0">
+              <a:rPr kumimoji="0" lang="en-US" altLang="en-US" sz="1400" b="1" i="0" u="none" strike="noStrike" cap="none" normalizeH="0" baseline="0" dirty="0">
                 <a:ln>
                   <a:noFill/>
                 </a:ln>
@@ -8100,7 +7925,7 @@
               </a:rPr>
               <a:t>CV01‑10:   3.00  36.75  37.34   4.39  10.94   7.57   7.88   0.00   0.00  33.61</a:t>
             </a:r>
-            <a:endParaRPr kumimoji="0" lang="en-US" altLang="en-US" sz="1400" b="1" i="0" u="none" strike="noStrike" cap="none" normalizeH="0" baseline="0" dirty="0" smtClean="0">
+            <a:endParaRPr kumimoji="0" lang="en-US" altLang="en-US" sz="1400" b="1" i="0" u="none" strike="noStrike" cap="none" normalizeH="0" baseline="0" dirty="0">
               <a:ln>
                 <a:noFill/>
               </a:ln>
@@ -8156,7 +7981,7 @@
               </a:tabLst>
             </a:pPr>
             <a:r>
-              <a:rPr kumimoji="0" lang="en-US" altLang="en-US" sz="1400" b="1" i="0" u="none" strike="noStrike" cap="none" normalizeH="0" baseline="0" dirty="0" smtClean="0">
+              <a:rPr kumimoji="0" lang="en-US" altLang="en-US" sz="1400" b="1" i="0" u="none" strike="noStrike" cap="none" normalizeH="0" baseline="0" dirty="0">
                 <a:ln>
                   <a:noFill/>
                 </a:ln>
@@ -8171,7 +7996,7 @@
               <a:t>CV11‑20:  20.61   0.00   0.02   0.00  18.60 ‑33.63  ‑0.07   0.02  99.96</a:t>
             </a:r>
             <a:r>
-              <a:rPr kumimoji="0" lang="en-US" altLang="en-US" sz="1400" b="1" i="0" u="none" strike="noStrike" cap="none" normalizeH="0" baseline="0" dirty="0" smtClean="0">
+              <a:rPr kumimoji="0" lang="en-US" altLang="en-US" sz="1400" b="1" i="0" u="none" strike="noStrike" cap="none" normalizeH="0" baseline="0" dirty="0">
                 <a:ln>
                   <a:noFill/>
                 </a:ln>
@@ -8185,7 +8010,7 @@
               </a:rPr>
               <a:t>*******</a:t>
             </a:r>
-            <a:endParaRPr kumimoji="0" lang="en-US" altLang="en-US" sz="1400" b="1" i="0" u="none" strike="noStrike" cap="none" normalizeH="0" baseline="0" dirty="0" smtClean="0">
+            <a:endParaRPr kumimoji="0" lang="en-US" altLang="en-US" sz="1400" b="1" i="0" u="none" strike="noStrike" cap="none" normalizeH="0" baseline="0" dirty="0">
               <a:ln>
                 <a:noFill/>
               </a:ln>
@@ -8241,7 +8066,7 @@
               </a:tabLst>
             </a:pPr>
             <a:r>
-              <a:rPr kumimoji="0" lang="en-US" altLang="en-US" sz="1400" b="1" i="0" u="none" strike="noStrike" cap="none" normalizeH="0" baseline="0" dirty="0" smtClean="0">
+              <a:rPr kumimoji="0" lang="en-US" altLang="en-US" sz="1400" b="1" i="0" u="none" strike="noStrike" cap="none" normalizeH="0" baseline="0" dirty="0">
                 <a:ln>
                   <a:noFill/>
                 </a:ln>
@@ -8255,7 +8080,7 @@
               </a:rPr>
               <a:t>CV31‑40:   0.00   0.00   0.00  79.98   0.00   0.00   0.00   0.00   0.00  33.81</a:t>
             </a:r>
-            <a:endParaRPr kumimoji="0" lang="en-US" altLang="en-US" sz="1400" b="1" i="0" u="none" strike="noStrike" cap="none" normalizeH="0" baseline="0" dirty="0" smtClean="0">
+            <a:endParaRPr kumimoji="0" lang="en-US" altLang="en-US" sz="1400" b="1" i="0" u="none" strike="noStrike" cap="none" normalizeH="0" baseline="0" dirty="0">
               <a:ln>
                 <a:noFill/>
               </a:ln>
@@ -8311,7 +8136,7 @@
               </a:tabLst>
             </a:pPr>
             <a:r>
-              <a:rPr kumimoji="0" lang="en-US" altLang="en-US" sz="1400" b="1" i="0" u="none" strike="noStrike" cap="none" normalizeH="0" baseline="0" dirty="0" smtClean="0">
+              <a:rPr kumimoji="0" lang="en-US" altLang="en-US" sz="1400" b="1" i="0" u="none" strike="noStrike" cap="none" normalizeH="0" baseline="0" dirty="0">
                 <a:ln>
                   <a:noFill/>
                 </a:ln>
@@ -8326,7 +8151,7 @@
               <a:t>CV41‑50:  31.30   0.00   0.02   0.00   0.00 ‑33.83   0.00   0.00  79.98</a:t>
             </a:r>
             <a:r>
-              <a:rPr kumimoji="0" lang="en-US" altLang="en-US" sz="1400" b="1" i="0" u="none" strike="noStrike" cap="none" normalizeH="0" baseline="0" dirty="0" smtClean="0">
+              <a:rPr kumimoji="0" lang="en-US" altLang="en-US" sz="1400" b="1" i="0" u="none" strike="noStrike" cap="none" normalizeH="0" baseline="0" dirty="0">
                 <a:ln>
                   <a:noFill/>
                 </a:ln>
@@ -8340,7 +8165,7 @@
               </a:rPr>
               <a:t>*******</a:t>
             </a:r>
-            <a:endParaRPr kumimoji="0" lang="en-US" altLang="en-US" sz="1400" b="1" i="0" u="none" strike="noStrike" cap="none" normalizeH="0" baseline="0" dirty="0" smtClean="0">
+            <a:endParaRPr kumimoji="0" lang="en-US" altLang="en-US" sz="1400" b="1" i="0" u="none" strike="noStrike" cap="none" normalizeH="0" baseline="0" dirty="0">
               <a:ln>
                 <a:noFill/>
               </a:ln>
@@ -8396,7 +8221,7 @@
               </a:tabLst>
             </a:pPr>
             <a:r>
-              <a:rPr kumimoji="0" lang="en-US" altLang="en-US" sz="1400" b="1" i="0" u="none" strike="noStrike" cap="none" normalizeH="0" baseline="0" dirty="0" smtClean="0">
+              <a:rPr kumimoji="0" lang="en-US" altLang="en-US" sz="1400" b="1" i="0" u="none" strike="noStrike" cap="none" normalizeH="0" baseline="0" dirty="0">
                 <a:ln>
                   <a:noFill/>
                 </a:ln>
@@ -8410,7 +8235,7 @@
               </a:rPr>
               <a:t>CV61‑70:  ‑1.97  ‑1.31  ‑1.41  59.82  ‑0.60  ‑0.37  ‑0.42   0.00   0.00  30.12</a:t>
             </a:r>
-            <a:endParaRPr kumimoji="0" lang="en-US" altLang="en-US" sz="1400" b="1" i="0" u="none" strike="noStrike" cap="none" normalizeH="0" baseline="0" dirty="0" smtClean="0">
+            <a:endParaRPr kumimoji="0" lang="en-US" altLang="en-US" sz="1400" b="1" i="0" u="none" strike="noStrike" cap="none" normalizeH="0" baseline="0" dirty="0">
               <a:ln>
                 <a:noFill/>
               </a:ln>
@@ -8466,7 +8291,7 @@
               </a:tabLst>
             </a:pPr>
             <a:r>
-              <a:rPr kumimoji="0" lang="en-US" altLang="en-US" sz="1400" b="1" i="0" u="none" strike="noStrike" cap="none" normalizeH="0" baseline="0" dirty="0" smtClean="0">
+              <a:rPr kumimoji="0" lang="en-US" altLang="en-US" sz="1400" b="1" i="0" u="none" strike="noStrike" cap="none" normalizeH="0" baseline="0" dirty="0">
                 <a:ln>
                   <a:noFill/>
                 </a:ln>
@@ -8480,7 +8305,7 @@
               </a:rPr>
               <a:t>CV71‑80:  28.46   0.00   0.04   0.00   0.00 ‑30.15   0.15  ‑0.01  54.96   9.96</a:t>
             </a:r>
-            <a:endParaRPr kumimoji="0" lang="en-US" altLang="en-US" sz="1400" b="1" i="0" u="none" strike="noStrike" cap="none" normalizeH="0" baseline="0" dirty="0" smtClean="0">
+            <a:endParaRPr kumimoji="0" lang="en-US" altLang="en-US" sz="1400" b="1" i="0" u="none" strike="noStrike" cap="none" normalizeH="0" baseline="0" dirty="0">
               <a:ln>
                 <a:noFill/>
               </a:ln>
@@ -8536,7 +8361,7 @@
               </a:tabLst>
             </a:pPr>
             <a:r>
-              <a:rPr kumimoji="0" lang="en-US" altLang="en-US" sz="1400" b="1" i="0" u="none" strike="noStrike" cap="none" normalizeH="0" baseline="0" dirty="0" smtClean="0">
+              <a:rPr kumimoji="0" lang="en-US" altLang="en-US" sz="1400" b="1" i="0" u="none" strike="noStrike" cap="none" normalizeH="0" baseline="0" dirty="0">
                 <a:ln>
                   <a:noFill/>
                 </a:ln>
@@ -8551,7 +8376,7 @@
               <a:t> M01‑12: FFFF </a:t>
             </a:r>
             <a:r>
-              <a:rPr kumimoji="0" lang="en-US" altLang="en-US" sz="1400" b="1" i="0" u="none" strike="noStrike" cap="none" normalizeH="0" baseline="0" dirty="0" err="1" smtClean="0">
+              <a:rPr kumimoji="0" lang="en-US" altLang="en-US" sz="1400" b="1" i="0" u="none" strike="noStrike" cap="none" normalizeH="0" baseline="0" dirty="0" err="1">
                 <a:ln>
                   <a:noFill/>
                 </a:ln>
@@ -8566,7 +8391,7 @@
               <a:t>FFFF</a:t>
             </a:r>
             <a:r>
-              <a:rPr kumimoji="0" lang="en-US" altLang="en-US" sz="1400" b="1" i="0" u="none" strike="noStrike" cap="none" normalizeH="0" baseline="0" dirty="0" smtClean="0">
+              <a:rPr kumimoji="0" lang="en-US" altLang="en-US" sz="1400" b="1" i="0" u="none" strike="noStrike" cap="none" normalizeH="0" baseline="0" dirty="0">
                 <a:ln>
                   <a:noFill/>
                 </a:ln>
@@ -8581,7 +8406,7 @@
               <a:t> </a:t>
             </a:r>
             <a:r>
-              <a:rPr kumimoji="0" lang="en-US" altLang="en-US" sz="1400" b="1" i="0" u="none" strike="noStrike" cap="none" normalizeH="0" baseline="0" dirty="0" err="1" smtClean="0">
+              <a:rPr kumimoji="0" lang="en-US" altLang="en-US" sz="1400" b="1" i="0" u="none" strike="noStrike" cap="none" normalizeH="0" baseline="0" dirty="0" err="1">
                 <a:ln>
                   <a:noFill/>
                 </a:ln>
@@ -8596,7 +8421,7 @@
               <a:t>FFFF</a:t>
             </a:r>
             <a:r>
-              <a:rPr kumimoji="0" lang="en-US" altLang="en-US" sz="1400" b="1" i="0" u="none" strike="noStrike" cap="none" normalizeH="0" baseline="0" dirty="0" smtClean="0">
+              <a:rPr kumimoji="0" lang="en-US" altLang="en-US" sz="1400" b="1" i="0" u="none" strike="noStrike" cap="none" normalizeH="0" baseline="0" dirty="0">
                 <a:ln>
                   <a:noFill/>
                 </a:ln>
@@ -8611,7 +8436,7 @@
               <a:t>   M13‑24: FFFF </a:t>
             </a:r>
             <a:r>
-              <a:rPr kumimoji="0" lang="en-US" altLang="en-US" sz="1400" b="1" i="0" u="none" strike="noStrike" cap="none" normalizeH="0" baseline="0" dirty="0" err="1" smtClean="0">
+              <a:rPr kumimoji="0" lang="en-US" altLang="en-US" sz="1400" b="1" i="0" u="none" strike="noStrike" cap="none" normalizeH="0" baseline="0" dirty="0" err="1">
                 <a:ln>
                   <a:noFill/>
                 </a:ln>
@@ -8626,7 +8451,7 @@
               <a:t>FFFF</a:t>
             </a:r>
             <a:r>
-              <a:rPr kumimoji="0" lang="en-US" altLang="en-US" sz="1400" b="1" i="0" u="none" strike="noStrike" cap="none" normalizeH="0" baseline="0" dirty="0" smtClean="0">
+              <a:rPr kumimoji="0" lang="en-US" altLang="en-US" sz="1400" b="1" i="0" u="none" strike="noStrike" cap="none" normalizeH="0" baseline="0" dirty="0">
                 <a:ln>
                   <a:noFill/>
                 </a:ln>
@@ -8641,7 +8466,7 @@
               <a:t> </a:t>
             </a:r>
             <a:r>
-              <a:rPr kumimoji="0" lang="en-US" altLang="en-US" sz="1400" b="1" i="0" u="none" strike="noStrike" cap="none" normalizeH="0" baseline="0" dirty="0" err="1" smtClean="0">
+              <a:rPr kumimoji="0" lang="en-US" altLang="en-US" sz="1400" b="1" i="0" u="none" strike="noStrike" cap="none" normalizeH="0" baseline="0" dirty="0" err="1">
                 <a:ln>
                   <a:noFill/>
                 </a:ln>
@@ -8656,7 +8481,7 @@
               <a:t>FFFF</a:t>
             </a:r>
             <a:r>
-              <a:rPr kumimoji="0" lang="en-US" altLang="en-US" sz="1400" b="1" i="0" u="none" strike="noStrike" cap="none" normalizeH="0" baseline="0" dirty="0" smtClean="0">
+              <a:rPr kumimoji="0" lang="en-US" altLang="en-US" sz="1400" b="1" i="0" u="none" strike="noStrike" cap="none" normalizeH="0" baseline="0" dirty="0">
                 <a:ln>
                   <a:noFill/>
                 </a:ln>
@@ -8671,7 +8496,7 @@
               <a:t>   M25‑36: FFFF </a:t>
             </a:r>
             <a:r>
-              <a:rPr kumimoji="0" lang="en-US" altLang="en-US" sz="1400" b="1" i="0" u="none" strike="noStrike" cap="none" normalizeH="0" baseline="0" dirty="0" err="1" smtClean="0">
+              <a:rPr kumimoji="0" lang="en-US" altLang="en-US" sz="1400" b="1" i="0" u="none" strike="noStrike" cap="none" normalizeH="0" baseline="0" dirty="0" err="1">
                 <a:ln>
                   <a:noFill/>
                 </a:ln>
@@ -8686,7 +8511,7 @@
               <a:t>FFFF</a:t>
             </a:r>
             <a:r>
-              <a:rPr kumimoji="0" lang="en-US" altLang="en-US" sz="1400" b="1" i="0" u="none" strike="noStrike" cap="none" normalizeH="0" baseline="0" dirty="0" smtClean="0">
+              <a:rPr kumimoji="0" lang="en-US" altLang="en-US" sz="1400" b="1" i="0" u="none" strike="noStrike" cap="none" normalizeH="0" baseline="0" dirty="0">
                 <a:ln>
                   <a:noFill/>
                 </a:ln>
@@ -8701,7 +8526,7 @@
               <a:t> </a:t>
             </a:r>
             <a:r>
-              <a:rPr kumimoji="0" lang="en-US" altLang="en-US" sz="1400" b="1" i="0" u="none" strike="noStrike" cap="none" normalizeH="0" baseline="0" dirty="0" err="1" smtClean="0">
+              <a:rPr kumimoji="0" lang="en-US" altLang="en-US" sz="1400" b="1" i="0" u="none" strike="noStrike" cap="none" normalizeH="0" baseline="0" dirty="0" err="1">
                 <a:ln>
                   <a:noFill/>
                 </a:ln>
@@ -8715,7 +8540,7 @@
               </a:rPr>
               <a:t>FFFF</a:t>
             </a:r>
-            <a:endParaRPr kumimoji="0" lang="en-US" altLang="en-US" sz="1400" b="1" i="0" u="none" strike="noStrike" cap="none" normalizeH="0" baseline="0" dirty="0" smtClean="0">
+            <a:endParaRPr kumimoji="0" lang="en-US" altLang="en-US" sz="1400" b="1" i="0" u="none" strike="noStrike" cap="none" normalizeH="0" baseline="0" dirty="0">
               <a:ln>
                 <a:noFill/>
               </a:ln>
@@ -8771,7 +8596,7 @@
               </a:tabLst>
             </a:pPr>
             <a:r>
-              <a:rPr kumimoji="0" lang="en-US" altLang="en-US" sz="1400" b="1" i="0" u="none" strike="noStrike" cap="none" normalizeH="0" baseline="0" dirty="0" smtClean="0">
+              <a:rPr kumimoji="0" lang="en-US" altLang="en-US" sz="1400" b="1" i="0" u="none" strike="noStrike" cap="none" normalizeH="0" baseline="0" dirty="0">
                 <a:ln>
                   <a:noFill/>
                 </a:ln>
@@ -8786,7 +8611,7 @@
               <a:t> M37‑46: FT    F </a:t>
             </a:r>
             <a:r>
-              <a:rPr kumimoji="0" lang="en-US" altLang="en-US" sz="1400" b="1" i="0" u="none" strike="noStrike" cap="none" normalizeH="0" baseline="0" dirty="0" err="1" smtClean="0">
+              <a:rPr kumimoji="0" lang="en-US" altLang="en-US" sz="1400" b="1" i="0" u="none" strike="noStrike" cap="none" normalizeH="0" baseline="0" dirty="0" err="1">
                 <a:ln>
                   <a:noFill/>
                 </a:ln>
@@ -8801,7 +8626,7 @@
               <a:t>F</a:t>
             </a:r>
             <a:r>
-              <a:rPr kumimoji="0" lang="en-US" altLang="en-US" sz="1400" b="1" i="0" u="none" strike="noStrike" cap="none" normalizeH="0" baseline="0" dirty="0" smtClean="0">
+              <a:rPr kumimoji="0" lang="en-US" altLang="en-US" sz="1400" b="1" i="0" u="none" strike="noStrike" cap="none" normalizeH="0" baseline="0" dirty="0">
                 <a:ln>
                   <a:noFill/>
                 </a:ln>
@@ -8816,7 +8641,7 @@
               <a:t> </a:t>
             </a:r>
             <a:r>
-              <a:rPr kumimoji="0" lang="en-US" altLang="en-US" sz="1400" b="1" i="0" u="none" strike="noStrike" cap="none" normalizeH="0" baseline="0" dirty="0" err="1" smtClean="0">
+              <a:rPr kumimoji="0" lang="en-US" altLang="en-US" sz="1400" b="1" i="0" u="none" strike="noStrike" cap="none" normalizeH="0" baseline="0" dirty="0" err="1">
                 <a:ln>
                   <a:noFill/>
                 </a:ln>
@@ -8831,7 +8656,7 @@
               <a:t>F</a:t>
             </a:r>
             <a:r>
-              <a:rPr kumimoji="0" lang="en-US" altLang="en-US" sz="1400" b="1" i="0" u="none" strike="noStrike" cap="none" normalizeH="0" baseline="0" dirty="0" smtClean="0">
+              <a:rPr kumimoji="0" lang="en-US" altLang="en-US" sz="1400" b="1" i="0" u="none" strike="noStrike" cap="none" normalizeH="0" baseline="0" dirty="0">
                 <a:ln>
                   <a:noFill/>
                 </a:ln>
@@ -8846,7 +8671,7 @@
               <a:t> </a:t>
             </a:r>
             <a:r>
-              <a:rPr kumimoji="0" lang="en-US" altLang="en-US" sz="1400" b="1" i="0" u="none" strike="noStrike" cap="none" normalizeH="0" baseline="0" dirty="0" err="1" smtClean="0">
+              <a:rPr kumimoji="0" lang="en-US" altLang="en-US" sz="1400" b="1" i="0" u="none" strike="noStrike" cap="none" normalizeH="0" baseline="0" dirty="0" err="1">
                 <a:ln>
                   <a:noFill/>
                 </a:ln>
@@ -8861,7 +8686,7 @@
               <a:t>F</a:t>
             </a:r>
             <a:r>
-              <a:rPr kumimoji="0" lang="en-US" altLang="en-US" sz="1400" b="1" i="0" u="none" strike="noStrike" cap="none" normalizeH="0" baseline="0" dirty="0" smtClean="0">
+              <a:rPr kumimoji="0" lang="en-US" altLang="en-US" sz="1400" b="1" i="0" u="none" strike="noStrike" cap="none" normalizeH="0" baseline="0" dirty="0">
                 <a:ln>
                   <a:noFill/>
                 </a:ln>
@@ -8876,7 +8701,7 @@
               <a:t> </a:t>
             </a:r>
             <a:r>
-              <a:rPr kumimoji="0" lang="en-US" altLang="en-US" sz="1400" b="1" i="0" u="none" strike="noStrike" cap="none" normalizeH="0" baseline="0" dirty="0" err="1" smtClean="0">
+              <a:rPr kumimoji="0" lang="en-US" altLang="en-US" sz="1400" b="1" i="0" u="none" strike="noStrike" cap="none" normalizeH="0" baseline="0" dirty="0" err="1">
                 <a:ln>
                   <a:noFill/>
                 </a:ln>
@@ -8891,7 +8716,7 @@
               <a:t>F</a:t>
             </a:r>
             <a:r>
-              <a:rPr kumimoji="0" lang="en-US" altLang="en-US" sz="1400" b="1" i="0" u="none" strike="noStrike" cap="none" normalizeH="0" baseline="0" dirty="0" smtClean="0">
+              <a:rPr kumimoji="0" lang="en-US" altLang="en-US" sz="1400" b="1" i="0" u="none" strike="noStrike" cap="none" normalizeH="0" baseline="0" dirty="0">
                 <a:ln>
                   <a:noFill/>
                 </a:ln>
@@ -8906,7 +8731,7 @@
               <a:t> </a:t>
             </a:r>
             <a:r>
-              <a:rPr kumimoji="0" lang="en-US" altLang="en-US" sz="1400" b="1" i="0" u="none" strike="noStrike" cap="none" normalizeH="0" baseline="0" dirty="0" err="1" smtClean="0">
+              <a:rPr kumimoji="0" lang="en-US" altLang="en-US" sz="1400" b="1" i="0" u="none" strike="noStrike" cap="none" normalizeH="0" baseline="0" dirty="0" err="1">
                 <a:ln>
                   <a:noFill/>
                 </a:ln>
@@ -8921,7 +8746,7 @@
               <a:t>F</a:t>
             </a:r>
             <a:r>
-              <a:rPr kumimoji="0" lang="en-US" altLang="en-US" sz="1400" b="1" i="0" u="none" strike="noStrike" cap="none" normalizeH="0" baseline="0" dirty="0" smtClean="0">
+              <a:rPr kumimoji="0" lang="en-US" altLang="en-US" sz="1400" b="1" i="0" u="none" strike="noStrike" cap="none" normalizeH="0" baseline="0" dirty="0">
                 <a:ln>
                   <a:noFill/>
                 </a:ln>
@@ -8936,7 +8761,7 @@
               <a:t> </a:t>
             </a:r>
             <a:r>
-              <a:rPr kumimoji="0" lang="en-US" altLang="en-US" sz="1400" b="1" i="0" u="none" strike="noStrike" cap="none" normalizeH="0" baseline="0" dirty="0" err="1" smtClean="0">
+              <a:rPr kumimoji="0" lang="en-US" altLang="en-US" sz="1400" b="1" i="0" u="none" strike="noStrike" cap="none" normalizeH="0" baseline="0" dirty="0" err="1">
                 <a:ln>
                   <a:noFill/>
                 </a:ln>
@@ -8951,7 +8776,7 @@
               <a:t>F</a:t>
             </a:r>
             <a:r>
-              <a:rPr kumimoji="0" lang="en-US" altLang="en-US" sz="1400" b="1" i="0" u="none" strike="noStrike" cap="none" normalizeH="0" baseline="0" dirty="0" smtClean="0">
+              <a:rPr kumimoji="0" lang="en-US" altLang="en-US" sz="1400" b="1" i="0" u="none" strike="noStrike" cap="none" normalizeH="0" baseline="0" dirty="0">
                 <a:ln>
                   <a:noFill/>
                 </a:ln>
@@ -8966,7 +8791,7 @@
               <a:t>   </a:t>
             </a:r>
             <a:r>
-              <a:rPr kumimoji="0" lang="en-US" altLang="en-US" sz="1400" b="1" i="0" u="none" strike="noStrike" cap="none" normalizeH="0" baseline="0" dirty="0" err="1" smtClean="0">
+              <a:rPr kumimoji="0" lang="en-US" altLang="en-US" sz="1400" b="1" i="0" u="none" strike="noStrike" cap="none" normalizeH="0" baseline="0" dirty="0" err="1">
                 <a:ln>
                   <a:noFill/>
                 </a:ln>
@@ -8980,7 +8805,7 @@
               </a:rPr>
               <a:t>F</a:t>
             </a:r>
-            <a:endParaRPr kumimoji="0" lang="en-US" altLang="en-US" sz="1400" b="1" i="0" u="none" strike="noStrike" cap="none" normalizeH="0" baseline="0" dirty="0" smtClean="0">
+            <a:endParaRPr kumimoji="0" lang="en-US" altLang="en-US" sz="1400" b="1" i="0" u="none" strike="noStrike" cap="none" normalizeH="0" baseline="0" dirty="0">
               <a:ln>
                 <a:noFill/>
               </a:ln>
@@ -9036,7 +8861,7 @@
               </a:tabLst>
             </a:pPr>
             <a:r>
-              <a:rPr kumimoji="0" lang="en-US" altLang="en-US" sz="1400" b="1" i="0" u="none" strike="noStrike" cap="none" normalizeH="0" baseline="0" dirty="0" smtClean="0">
+              <a:rPr kumimoji="0" lang="en-US" altLang="en-US" sz="1400" b="1" i="0" u="none" strike="noStrike" cap="none" normalizeH="0" baseline="0" dirty="0">
                 <a:ln>
                   <a:noFill/>
                 </a:ln>
@@ -9050,7 +8875,7 @@
               </a:rPr>
               <a:t>MV01‑12:    2    0    0    0    0    0    0    0    0    0    0    0</a:t>
             </a:r>
-            <a:endParaRPr kumimoji="0" lang="en-US" altLang="en-US" sz="1400" b="1" i="0" u="none" strike="noStrike" cap="none" normalizeH="0" baseline="0" dirty="0" smtClean="0">
+            <a:endParaRPr kumimoji="0" lang="en-US" altLang="en-US" sz="1400" b="1" i="0" u="none" strike="noStrike" cap="none" normalizeH="0" baseline="0" dirty="0">
               <a:ln>
                 <a:noFill/>
               </a:ln>
@@ -9106,7 +8931,7 @@
               </a:tabLst>
             </a:pPr>
             <a:r>
-              <a:rPr kumimoji="0" lang="en-US" altLang="en-US" sz="1400" b="1" i="0" u="none" strike="noStrike" cap="none" normalizeH="0" baseline="0" dirty="0" smtClean="0">
+              <a:rPr kumimoji="0" lang="en-US" altLang="en-US" sz="1400" b="1" i="0" u="none" strike="noStrike" cap="none" normalizeH="0" baseline="0" dirty="0">
                 <a:ln>
                   <a:noFill/>
                 </a:ln>
@@ -9121,7 +8946,7 @@
               <a:t>IN01‑07:   100  </a:t>
             </a:r>
             <a:r>
-              <a:rPr kumimoji="0" lang="en-US" altLang="en-US" sz="1400" b="1" i="0" u="none" strike="noStrike" cap="none" normalizeH="0" baseline="0" dirty="0" smtClean="0">
+              <a:rPr kumimoji="0" lang="en-US" altLang="en-US" sz="1400" b="1" i="0" u="none" strike="noStrike" cap="none" normalizeH="0" baseline="0" dirty="0">
                 <a:ln>
                   <a:noFill/>
                 </a:ln>
@@ -9136,7 +8961,7 @@
               <a:t>****</a:t>
             </a:r>
             <a:r>
-              <a:rPr kumimoji="0" lang="en-US" altLang="en-US" sz="1400" b="1" i="0" u="none" strike="noStrike" cap="none" normalizeH="0" baseline="0" dirty="0" smtClean="0">
+              <a:rPr kumimoji="0" lang="en-US" altLang="en-US" sz="1400" b="1" i="0" u="none" strike="noStrike" cap="none" normalizeH="0" baseline="0" dirty="0">
                 <a:ln>
                   <a:noFill/>
                 </a:ln>
@@ -9151,7 +8976,7 @@
               <a:t>    80  </a:t>
             </a:r>
             <a:r>
-              <a:rPr kumimoji="0" lang="en-US" altLang="en-US" sz="1400" b="1" i="0" u="none" strike="noStrike" cap="none" normalizeH="0" baseline="0" dirty="0" smtClean="0">
+              <a:rPr kumimoji="0" lang="en-US" altLang="en-US" sz="1400" b="1" i="0" u="none" strike="noStrike" cap="none" normalizeH="0" baseline="0" dirty="0">
                 <a:ln>
                   <a:noFill/>
                 </a:ln>
@@ -9166,7 +8991,7 @@
               <a:t>****</a:t>
             </a:r>
             <a:r>
-              <a:rPr kumimoji="0" lang="en-US" altLang="en-US" sz="1400" b="1" i="0" u="none" strike="noStrike" cap="none" normalizeH="0" baseline="0" dirty="0" smtClean="0">
+              <a:rPr kumimoji="0" lang="en-US" altLang="en-US" sz="1400" b="1" i="0" u="none" strike="noStrike" cap="none" normalizeH="0" baseline="0" dirty="0">
                 <a:ln>
                   <a:noFill/>
                 </a:ln>
@@ -9180,7 +9005,7 @@
               </a:rPr>
               <a:t>    60    50     0</a:t>
             </a:r>
-            <a:endParaRPr kumimoji="0" lang="en-US" altLang="en-US" sz="1400" b="1" i="0" u="none" strike="noStrike" cap="none" normalizeH="0" baseline="0" dirty="0" smtClean="0">
+            <a:endParaRPr kumimoji="0" lang="en-US" altLang="en-US" sz="1400" b="1" i="0" u="none" strike="noStrike" cap="none" normalizeH="0" baseline="0" dirty="0">
               <a:ln>
                 <a:noFill/>
               </a:ln>
@@ -9236,7 +9061,7 @@
               </a:tabLst>
             </a:pPr>
             <a:r>
-              <a:rPr kumimoji="0" lang="en-US" altLang="en-US" sz="1400" b="1" i="0" u="none" strike="noStrike" cap="none" normalizeH="0" baseline="0" dirty="0" smtClean="0">
+              <a:rPr kumimoji="0" lang="en-US" altLang="en-US" sz="1400" b="1" i="0" u="none" strike="noStrike" cap="none" normalizeH="0" baseline="0" dirty="0">
                 <a:ln>
                   <a:noFill/>
                 </a:ln>
@@ -9250,7 +9075,7 @@
               </a:rPr>
               <a:t>IN08‑10:     1   HIGH  DCD I/O:   0</a:t>
             </a:r>
-            <a:endParaRPr kumimoji="0" lang="en-US" altLang="en-US" sz="1400" b="1" i="0" u="none" strike="noStrike" cap="none" normalizeH="0" baseline="0" dirty="0" smtClean="0">
+            <a:endParaRPr kumimoji="0" lang="en-US" altLang="en-US" sz="1400" b="1" i="0" u="none" strike="noStrike" cap="none" normalizeH="0" baseline="0" dirty="0">
               <a:ln>
                 <a:noFill/>
               </a:ln>
@@ -9284,7 +9109,7 @@
             </a:pPr>
             <a:fld id="{44D06F95-D493-494F-B0EB-3EDFAA385886}" type="datetime1">
               <a:rPr lang="en-US" smtClean="0"/>
-              <a:t>11/25/2015</a:t>
+              <a:t>12/23/2016</a:t>
             </a:fld>
             <a:endParaRPr lang="en-US"/>
           </a:p>
@@ -9309,7 +9134,7 @@
               <a:defRPr/>
             </a:pPr>
             <a:r>
-              <a:rPr lang="en-US" smtClean="0"/>
+              <a:rPr lang="en-US"/>
               <a:t>TeamSTARS "tsWxGTUI_PyVx" Toolkit prepared &amp; presented by Richard S. Gordon</a:t>
             </a:r>
             <a:endParaRPr lang="en-US" dirty="0"/>
@@ -9350,13 +9175,6 @@
   <p:clrMapOvr>
     <a:masterClrMapping/>
   </p:clrMapOvr>
-  <p:timing>
-    <p:tnLst>
-      <p:par>
-        <p:cTn id="1" dur="indefinite" restart="never" nodeType="tmRoot"/>
-      </p:par>
-    </p:tnLst>
-  </p:timing>
 </p:sld>
 </file>
 
@@ -9396,19 +9214,7 @@
               <a:rPr lang="en-US" sz="4000" dirty="0">
                 <a:cs typeface="Courier New" panose="02070309020205020404" pitchFamily="49" charset="0"/>
               </a:rPr>
-              <a:t>Checkup On Line </a:t>
-            </a:r>
-            <a:r>
-              <a:rPr lang="en-US" sz="4000" dirty="0" smtClean="0">
-                <a:cs typeface="Courier New" panose="02070309020205020404" pitchFamily="49" charset="0"/>
-              </a:rPr>
-              <a:t>Diagnostic </a:t>
-            </a:r>
-            <a:r>
-              <a:rPr lang="en-US" sz="4000" dirty="0">
-                <a:cs typeface="Courier New" panose="02070309020205020404" pitchFamily="49" charset="0"/>
-              </a:rPr>
-              <a:t>&amp; Maintenance Report Dialog (</a:t>
+              <a:t>Checkup On Line Diagnostic &amp; Maintenance Report Dialog (</a:t>
             </a:r>
             <a:r>
               <a:rPr lang="en-US" sz="4000" i="1" dirty="0">
@@ -9425,26 +9231,20 @@
               <a:t>)</a:t>
             </a:r>
             <a:r>
-              <a:rPr lang="en-US" sz="4000" dirty="0" smtClean="0">
+              <a:rPr lang="en-US" sz="4000" dirty="0">
                 <a:cs typeface="Courier New" panose="02070309020205020404" pitchFamily="49" charset="0"/>
               </a:rPr>
               <a:t> </a:t>
             </a:r>
             <a:r>
-              <a:rPr lang="en-US" sz="2000" dirty="0" smtClean="0"/>
+              <a:rPr lang="en-US" sz="2000" dirty="0"/>
               <a:t>(</a:t>
-            </a:r>
-            <a:r>
-              <a:rPr lang="en-US" sz="2000" dirty="0" smtClean="0">
-                <a:hlinkClick r:id="" action="ppaction://noaction"/>
-              </a:rPr>
-              <a:t>Table </a:t>
             </a:r>
             <a:r>
               <a:rPr lang="en-US" sz="2000" dirty="0">
                 <a:hlinkClick r:id="" action="ppaction://noaction"/>
               </a:rPr>
-              <a:t>of Contents</a:t>
+              <a:t>Table of Contents</a:t>
             </a:r>
             <a:r>
               <a:rPr lang="en-US" sz="2000" dirty="0"/>
@@ -9859,18 +9659,11 @@
               <a:buNone/>
             </a:pPr>
             <a:r>
-              <a:rPr lang="en-US" sz="1100" b="1" dirty="0" smtClean="0">
-                <a:latin typeface="Courier New" panose="02070309020205020404" pitchFamily="49" charset="0"/>
-                <a:cs typeface="Courier New" panose="02070309020205020404" pitchFamily="49" charset="0"/>
-              </a:rPr>
-              <a:t>21:06:12.95 </a:t>
-            </a:r>
-            <a:r>
               <a:rPr lang="en-US" sz="1100" b="1" dirty="0">
                 <a:latin typeface="Courier New" panose="02070309020205020404" pitchFamily="49" charset="0"/>
                 <a:cs typeface="Courier New" panose="02070309020205020404" pitchFamily="49" charset="0"/>
               </a:rPr>
-              <a:t>CHKUP Program Startup. Process: _TTA1.</a:t>
+              <a:t>21:06:12.95 CHKUP Program Startup. Process: _TTA1.</a:t>
             </a:r>
           </a:p>
           <a:p>
@@ -9902,18 +9695,11 @@
               <a:t>2015/11/22</a:t>
             </a:r>
             <a:r>
-              <a:rPr lang="en-US" sz="1100" b="1" dirty="0" smtClean="0">
-                <a:latin typeface="Courier New" panose="02070309020205020404" pitchFamily="49" charset="0"/>
-                <a:cs typeface="Courier New" panose="02070309020205020404" pitchFamily="49" charset="0"/>
-              </a:rPr>
-              <a:t>  </a:t>
-            </a:r>
-            <a:r>
               <a:rPr lang="en-US" sz="1100" b="1" dirty="0">
                 <a:latin typeface="Courier New" panose="02070309020205020404" pitchFamily="49" charset="0"/>
                 <a:cs typeface="Courier New" panose="02070309020205020404" pitchFamily="49" charset="0"/>
               </a:rPr>
-              <a:t>21:06:15.75</a:t>
+              <a:t>  21:06:15.75</a:t>
             </a:r>
           </a:p>
           <a:p>
@@ -9921,18 +9707,11 @@
               <a:buNone/>
             </a:pPr>
             <a:r>
-              <a:rPr lang="en-US" sz="1100" b="1" dirty="0" smtClean="0">
-                <a:latin typeface="Courier New" panose="02070309020205020404" pitchFamily="49" charset="0"/>
-                <a:cs typeface="Courier New" panose="02070309020205020404" pitchFamily="49" charset="0"/>
-              </a:rPr>
-              <a:t>On </a:t>
-            </a:r>
-            <a:r>
               <a:rPr lang="en-US" sz="1100" b="1" dirty="0">
                 <a:latin typeface="Courier New" panose="02070309020205020404" pitchFamily="49" charset="0"/>
                 <a:cs typeface="Courier New" panose="02070309020205020404" pitchFamily="49" charset="0"/>
               </a:rPr>
-              <a:t>Line Diagnostic &amp; Maintenance Report Commands</a:t>
+              <a:t>On Line Diagnostic &amp; Maintenance Report Commands</a:t>
             </a:r>
           </a:p>
           <a:p>
@@ -9982,18 +9761,11 @@
               <a:buNone/>
             </a:pPr>
             <a:r>
-              <a:rPr lang="en-US" sz="1100" b="1" dirty="0" smtClean="0">
-                <a:latin typeface="Courier New" panose="02070309020205020404" pitchFamily="49" charset="0"/>
-                <a:cs typeface="Courier New" panose="02070309020205020404" pitchFamily="49" charset="0"/>
-              </a:rPr>
-              <a:t>         </a:t>
-            </a:r>
-            <a:r>
               <a:rPr lang="en-US" sz="1100" b="1" dirty="0">
                 <a:latin typeface="Courier New" panose="02070309020205020404" pitchFamily="49" charset="0"/>
                 <a:cs typeface="Courier New" panose="02070309020205020404" pitchFamily="49" charset="0"/>
               </a:rPr>
-              <a:t>[  1 ]     STOP  Logging/RETURN to normal operation</a:t>
+              <a:t>         [  1 ]     STOP  Logging/RETURN to normal operation</a:t>
             </a:r>
           </a:p>
           <a:p>
@@ -10158,19 +9930,8 @@
                 <a:latin typeface="Courier New" panose="02070309020205020404" pitchFamily="49" charset="0"/>
                 <a:cs typeface="Courier New" panose="02070309020205020404" pitchFamily="49" charset="0"/>
               </a:rPr>
-              <a:t>    Desired Command Code ? </a:t>
-            </a:r>
-            <a:r>
-              <a:rPr lang="en-US" sz="1100" b="1" dirty="0" smtClean="0">
-                <a:latin typeface="Courier New" panose="02070309020205020404" pitchFamily="49" charset="0"/>
-                <a:cs typeface="Courier New" panose="02070309020205020404" pitchFamily="49" charset="0"/>
-              </a:rPr>
-              <a:t>3</a:t>
-            </a:r>
-            <a:endParaRPr lang="en-US" sz="1100" b="1" dirty="0">
-              <a:latin typeface="Courier New" panose="02070309020205020404" pitchFamily="49" charset="0"/>
-              <a:cs typeface="Courier New" panose="02070309020205020404" pitchFamily="49" charset="0"/>
-            </a:endParaRPr>
+              <a:t>    Desired Command Code ? 3</a:t>
+            </a:r>
           </a:p>
         </p:txBody>
       </p:sp>
@@ -10190,18 +9951,9 @@
           <a:lstStyle/>
           <a:p>
             <a:r>
-              <a:rPr lang="en-US" sz="2000" dirty="0" smtClean="0"/>
-              <a:t>This is a Command Line Interface implementation that will eventually be re-implemented as a Graphical User Interface using checkboxes instead of a prompt for </a:t>
-            </a:r>
-            <a:r>
               <a:rPr lang="en-US" sz="2000" dirty="0"/>
-              <a:t>keyboard </a:t>
-            </a:r>
-            <a:r>
-              <a:rPr lang="en-US" sz="2000" dirty="0" smtClean="0"/>
-              <a:t>input.</a:t>
-            </a:r>
-            <a:endParaRPr lang="en-US" sz="2000" dirty="0"/>
+              <a:t>This is a Command Line Interface implementation that will eventually be re-implemented as a Graphical User Interface using checkboxes instead of a prompt for keyboard input.</a:t>
+            </a:r>
           </a:p>
         </p:txBody>
       </p:sp>
@@ -10225,7 +9977,7 @@
             </a:pPr>
             <a:fld id="{44D06F95-D493-494F-B0EB-3EDFAA385886}" type="datetime1">
               <a:rPr lang="en-US" smtClean="0"/>
-              <a:t>11/25/2015</a:t>
+              <a:t>12/23/2016</a:t>
             </a:fld>
             <a:endParaRPr lang="en-US"/>
           </a:p>
@@ -10250,7 +10002,7 @@
               <a:defRPr/>
             </a:pPr>
             <a:r>
-              <a:rPr lang="en-US" smtClean="0"/>
+              <a:rPr lang="en-US"/>
               <a:t>TeamSTARS "tsWxGTUI_PyVx" Toolkit prepared &amp; presented by Richard S. Gordon</a:t>
             </a:r>
             <a:endParaRPr lang="en-US" dirty="0"/>
@@ -10291,13 +10043,6 @@
   <p:clrMapOvr>
     <a:masterClrMapping/>
   </p:clrMapOvr>
-  <p:timing>
-    <p:tnLst>
-      <p:par>
-        <p:cTn id="1" dur="indefinite" restart="never" nodeType="tmRoot"/>
-      </p:par>
-    </p:tnLst>
-  </p:timing>
 </p:sld>
 </file>
 
@@ -10334,35 +10079,25 @@
           <a:lstStyle/>
           <a:p>
             <a:r>
-              <a:rPr lang="en-US" sz="3600" dirty="0" smtClean="0">
-                <a:cs typeface="Courier New" panose="02070309020205020404" pitchFamily="49" charset="0"/>
-              </a:rPr>
-              <a:t>Redirected Output</a:t>
-            </a:r>
-            <a:r>
               <a:rPr lang="en-US" sz="3600" dirty="0">
                 <a:cs typeface="Courier New" panose="02070309020205020404" pitchFamily="49" charset="0"/>
               </a:rPr>
-              <a:t> (</a:t>
+              <a:t>Redirected Output (</a:t>
             </a:r>
             <a:r>
               <a:rPr lang="en-US" sz="3600" dirty="0"/>
-              <a:t>Operator Advisory Message</a:t>
-            </a:r>
-            <a:r>
-              <a:rPr lang="en-US" sz="3600" dirty="0" smtClean="0"/>
-              <a:t>) Display (</a:t>
-            </a:r>
-            <a:r>
-              <a:rPr lang="en-US" sz="3600" i="1" dirty="0" smtClean="0"/>
+              <a:t>Operator Advisory Message) Display (</a:t>
+            </a:r>
+            <a:r>
+              <a:rPr lang="en-US" sz="3600" i="1" dirty="0"/>
               <a:t>prototype</a:t>
             </a:r>
             <a:r>
-              <a:rPr lang="en-US" sz="3600" dirty="0" smtClean="0"/>
+              <a:rPr lang="en-US" sz="3600" dirty="0"/>
               <a:t>)</a:t>
             </a:r>
             <a:r>
-              <a:rPr lang="en-US" sz="3600" dirty="0" smtClean="0">
+              <a:rPr lang="en-US" sz="3600" dirty="0">
                 <a:cs typeface="Courier New" panose="02070309020205020404" pitchFamily="49" charset="0"/>
               </a:rPr>
               <a:t> </a:t>
@@ -10378,7 +10113,7 @@
               <a:t>Table of Contents</a:t>
             </a:r>
             <a:r>
-              <a:rPr lang="en-US" sz="2000" dirty="0" smtClean="0"/>
+              <a:rPr lang="en-US" sz="2000" dirty="0"/>
               <a:t>)</a:t>
             </a:r>
             <a:endParaRPr lang="en-US" dirty="0"/>
@@ -10411,21 +10146,21 @@
               <a:t>Redirected Output: </a:t>
             </a:r>
             <a:r>
-              <a:rPr lang="en-US" sz="1400" b="1" dirty="0" err="1" smtClean="0">
+              <a:rPr lang="en-US" sz="1400" b="1" dirty="0" err="1">
                 <a:latin typeface="Courier New" panose="02070309020205020404" pitchFamily="49" charset="0"/>
                 <a:cs typeface="Courier New" panose="02070309020205020404" pitchFamily="49" charset="0"/>
               </a:rPr>
               <a:t>stdout</a:t>
             </a:r>
             <a:r>
-              <a:rPr lang="en-US" sz="1400" b="1" dirty="0" smtClean="0">
+              <a:rPr lang="en-US" sz="1400" b="1" dirty="0">
                 <a:latin typeface="Courier New" panose="02070309020205020404" pitchFamily="49" charset="0"/>
                 <a:cs typeface="Courier New" panose="02070309020205020404" pitchFamily="49" charset="0"/>
               </a:rPr>
               <a:t>/</a:t>
             </a:r>
             <a:r>
-              <a:rPr lang="en-US" sz="1400" b="1" dirty="0" err="1" smtClean="0">
+              <a:rPr lang="en-US" sz="1400" b="1" dirty="0" err="1">
                 <a:latin typeface="Courier New" panose="02070309020205020404" pitchFamily="49" charset="0"/>
                 <a:cs typeface="Courier New" panose="02070309020205020404" pitchFamily="49" charset="0"/>
               </a:rPr>
@@ -10441,7 +10176,7 @@
               <a:buNone/>
             </a:pPr>
             <a:r>
-              <a:rPr lang="en-US" altLang="en-US" sz="1400" b="1" dirty="0" smtClean="0">
+              <a:rPr lang="en-US" altLang="en-US" sz="1400" b="1" dirty="0">
                 <a:latin typeface="Courier New" panose="02070309020205020404" pitchFamily="49" charset="0"/>
                 <a:ea typeface="Times New Roman" panose="02020603050405020304" pitchFamily="18" charset="0"/>
                 <a:cs typeface="Courier New" panose="02070309020205020404" pitchFamily="49" charset="0"/>
@@ -10449,18 +10184,11 @@
               <a:t>2011/10/07</a:t>
             </a:r>
             <a:r>
-              <a:rPr lang="en-US" sz="1400" b="1" dirty="0" smtClean="0">
-                <a:latin typeface="Courier New" panose="02070309020205020404" pitchFamily="49" charset="0"/>
-                <a:cs typeface="Courier New" panose="02070309020205020404" pitchFamily="49" charset="0"/>
-              </a:rPr>
-              <a:t> </a:t>
-            </a:r>
-            <a:r>
               <a:rPr lang="en-US" sz="1400" b="1" dirty="0">
                 <a:latin typeface="Courier New" panose="02070309020205020404" pitchFamily="49" charset="0"/>
                 <a:cs typeface="Courier New" panose="02070309020205020404" pitchFamily="49" charset="0"/>
               </a:rPr>
-              <a:t>13:22:20.278</a:t>
+              <a:t> 13:22:20.278</a:t>
             </a:r>
           </a:p>
           <a:p>
@@ -10506,18 +10234,11 @@
               <a:t>2011/10/07</a:t>
             </a:r>
             <a:r>
-              <a:rPr lang="en-US" sz="1400" b="1" dirty="0" smtClean="0">
-                <a:latin typeface="Courier New" panose="02070309020205020404" pitchFamily="49" charset="0"/>
-                <a:cs typeface="Courier New" panose="02070309020205020404" pitchFamily="49" charset="0"/>
-              </a:rPr>
-              <a:t> </a:t>
-            </a:r>
-            <a:r>
               <a:rPr lang="en-US" sz="1400" b="1" dirty="0">
                 <a:latin typeface="Courier New" panose="02070309020205020404" pitchFamily="49" charset="0"/>
                 <a:cs typeface="Courier New" panose="02070309020205020404" pitchFamily="49" charset="0"/>
               </a:rPr>
-              <a:t>13:22:20.328 - </a:t>
+              <a:t> 13:22:20.328 - </a:t>
             </a:r>
             <a:r>
               <a:rPr lang="en-US" sz="1400" b="1" dirty="0" err="1">
@@ -10547,18 +10268,11 @@
               <a:t>2011/10/07</a:t>
             </a:r>
             <a:r>
-              <a:rPr lang="en-US" sz="1400" b="1" dirty="0" smtClean="0">
-                <a:latin typeface="Courier New" panose="02070309020205020404" pitchFamily="49" charset="0"/>
-                <a:cs typeface="Courier New" panose="02070309020205020404" pitchFamily="49" charset="0"/>
-              </a:rPr>
-              <a:t> </a:t>
-            </a:r>
-            <a:r>
               <a:rPr lang="en-US" sz="1400" b="1" dirty="0">
                 <a:latin typeface="Courier New" panose="02070309020205020404" pitchFamily="49" charset="0"/>
                 <a:cs typeface="Courier New" panose="02070309020205020404" pitchFamily="49" charset="0"/>
               </a:rPr>
-              <a:t>13:22:20.506 - </a:t>
+              <a:t> 13:22:20.506 - </a:t>
             </a:r>
             <a:r>
               <a:rPr lang="en-US" sz="1400" b="1" dirty="0" err="1">
@@ -10572,19 +10286,8 @@
                 <a:latin typeface="Courier New" panose="02070309020205020404" pitchFamily="49" charset="0"/>
                 <a:cs typeface="Courier New" panose="02070309020205020404" pitchFamily="49" charset="0"/>
               </a:rPr>
-              <a:t>=(0, 0, 640, 300</a:t>
-            </a:r>
-            <a:r>
-              <a:rPr lang="en-US" sz="1400" b="1" dirty="0" smtClean="0">
-                <a:latin typeface="Courier New" panose="02070309020205020404" pitchFamily="49" charset="0"/>
-                <a:cs typeface="Courier New" panose="02070309020205020404" pitchFamily="49" charset="0"/>
-              </a:rPr>
-              <a:t>)</a:t>
-            </a:r>
-            <a:endParaRPr lang="en-US" sz="1400" b="1" dirty="0">
-              <a:latin typeface="Courier New" panose="02070309020205020404" pitchFamily="49" charset="0"/>
-              <a:cs typeface="Courier New" panose="02070309020205020404" pitchFamily="49" charset="0"/>
-            </a:endParaRPr>
+              <a:t>=(0, 0, 640, 300)</a:t>
+            </a:r>
           </a:p>
         </p:txBody>
       </p:sp>
@@ -10608,7 +10311,7 @@
             </a:pPr>
             <a:fld id="{65B11A62-63AA-4067-ACEB-AA6A42CE3A38}" type="datetime1">
               <a:rPr lang="en-US" smtClean="0"/>
-              <a:t>11/25/2015</a:t>
+              <a:t>12/23/2016</a:t>
             </a:fld>
             <a:endParaRPr lang="en-US"/>
           </a:p>
@@ -10633,7 +10336,7 @@
               <a:defRPr/>
             </a:pPr>
             <a:r>
-              <a:rPr lang="en-US" smtClean="0"/>
+              <a:rPr lang="en-US"/>
               <a:t>TeamSTARS "tsWxGTUI_PyVx" Toolkit prepared &amp; presented by Richard S. Gordon</a:t>
             </a:r>
             <a:endParaRPr lang="en-US" dirty="0"/>
@@ -10711,11 +10414,7 @@
           <a:p>
             <a:r>
               <a:rPr lang="en-US" dirty="0"/>
-              <a:t>System </a:t>
-            </a:r>
-            <a:r>
-              <a:rPr lang="en-US" dirty="0" smtClean="0"/>
-              <a:t>Features </a:t>
+              <a:t>System Features </a:t>
             </a:r>
             <a:r>
               <a:rPr lang="en-US" sz="2000" dirty="0"/>
@@ -10754,123 +10453,67 @@
             </a:pPr>
             <a:r>
               <a:rPr lang="en-US" sz="2400" dirty="0"/>
-              <a:t>One or more local </a:t>
-            </a:r>
-            <a:r>
-              <a:rPr lang="en-US" sz="2400" dirty="0" smtClean="0"/>
-              <a:t>and remote </a:t>
-            </a:r>
-            <a:r>
-              <a:rPr lang="en-US" sz="2400" dirty="0"/>
-              <a:t>computer systems, each </a:t>
-            </a:r>
-            <a:r>
-              <a:rPr lang="en-US" sz="2400" dirty="0" smtClean="0"/>
-              <a:t>with:</a:t>
+              <a:t>One or more local and remote computer systems, each with:</a:t>
             </a:r>
           </a:p>
           <a:p>
             <a:r>
               <a:rPr lang="en-US" sz="1800" dirty="0"/>
-              <a:t>O</a:t>
-            </a:r>
-            <a:r>
-              <a:rPr lang="en-US" sz="1800" dirty="0" smtClean="0"/>
-              <a:t>ne </a:t>
-            </a:r>
+              <a:t>One or more single-core or multi-core processors</a:t>
+            </a:r>
+          </a:p>
+          <a:p>
             <a:r>
               <a:rPr lang="en-US" sz="1800" dirty="0"/>
-              <a:t>or more </a:t>
-            </a:r>
-            <a:r>
-              <a:rPr lang="en-US" sz="1800" dirty="0" smtClean="0"/>
-              <a:t>single-core or multi-core processors</a:t>
-            </a:r>
-          </a:p>
-          <a:p>
-            <a:r>
-              <a:rPr lang="en-US" sz="1800" dirty="0" smtClean="0"/>
               <a:t>Volatile Random Access Memory for temporary data storage during operation</a:t>
             </a:r>
           </a:p>
           <a:p>
             <a:r>
-              <a:rPr lang="en-US" sz="1800" dirty="0" smtClean="0"/>
+              <a:rPr lang="en-US" sz="1800" dirty="0"/>
               <a:t>Non-volatile storage for operating system and application program configuration storage during planned system shutdowns and unplanned electric service interruptions.</a:t>
             </a:r>
           </a:p>
           <a:p>
             <a:pPr lvl="1"/>
             <a:r>
-              <a:rPr lang="en-US" sz="1400" dirty="0" smtClean="0"/>
+              <a:rPr lang="en-US" sz="1400" dirty="0"/>
               <a:t>electro-magnetic hard drive</a:t>
             </a:r>
           </a:p>
           <a:p>
             <a:pPr lvl="1"/>
             <a:r>
-              <a:rPr lang="en-US" sz="1400" dirty="0" smtClean="0"/>
+              <a:rPr lang="en-US" sz="1400" dirty="0"/>
               <a:t>electronic flash memory</a:t>
             </a:r>
           </a:p>
           <a:p>
             <a:r>
-              <a:rPr lang="en-US" sz="1800" dirty="0" smtClean="0"/>
-              <a:t>An application specific centralized Supervisory Control and Data Acquisition (SCADA</a:t>
-            </a:r>
-            <a:r>
               <a:rPr lang="en-US" sz="1800" dirty="0"/>
-              <a:t>) System </a:t>
-            </a:r>
-            <a:r>
-              <a:rPr lang="en-US" sz="1800" dirty="0" smtClean="0"/>
-              <a:t>with one </a:t>
+              <a:t>An application specific centralized Supervisory Control and Data Acquisition (SCADA) System with one or more embedded Measurement and Control Unit (MCU) subsystems and an associated Application Programming Interface (NOT included in the “</a:t>
+            </a:r>
+            <a:r>
+              <a:rPr lang="en-US" sz="1800" dirty="0" err="1"/>
+              <a:t>tsWxGTUI_PyVX</a:t>
             </a:r>
             <a:r>
               <a:rPr lang="en-US" sz="1800" dirty="0"/>
-              <a:t>or more </a:t>
-            </a:r>
-            <a:r>
-              <a:rPr lang="en-US" sz="1800" dirty="0" smtClean="0"/>
-              <a:t>embedded Measurement and Control Unit (MCU) subsystems and an associated Application Programming Interface (NOT included in the “</a:t>
-            </a:r>
-            <a:r>
-              <a:rPr lang="en-US" sz="1800" dirty="0" err="1" smtClean="0"/>
-              <a:t>tsWxGTUI_PyVX</a:t>
-            </a:r>
-            <a:r>
-              <a:rPr lang="en-US" sz="1800" dirty="0" smtClean="0"/>
               <a:t>” toolkit release) for:</a:t>
             </a:r>
           </a:p>
           <a:p>
             <a:pPr lvl="1"/>
             <a:r>
-              <a:rPr lang="en-US" sz="1400" dirty="0" smtClean="0"/>
-              <a:t>analog sensor </a:t>
-            </a:r>
-            <a:r>
               <a:rPr lang="en-US" sz="1400" dirty="0"/>
-              <a:t>data </a:t>
-            </a:r>
-            <a:r>
-              <a:rPr lang="en-US" sz="1400" dirty="0" smtClean="0"/>
-              <a:t>input for temperature, pressure, speed, flow, position, voltage, current etc.</a:t>
+              <a:t>analog sensor data input for temperature, pressure, speed, flow, position, voltage, current etc.</a:t>
             </a:r>
           </a:p>
           <a:p>
             <a:pPr lvl="1"/>
             <a:r>
-              <a:rPr lang="en-US" sz="1400" dirty="0" smtClean="0"/>
-              <a:t>analog actuator output </a:t>
-            </a:r>
-            <a:r>
               <a:rPr lang="en-US" sz="1400" dirty="0"/>
-              <a:t>for </a:t>
-            </a:r>
-            <a:r>
-              <a:rPr lang="en-US" sz="1400" dirty="0" smtClean="0"/>
-              <a:t>control of equipment/valve position, panel meters, display brightness/contrast etc.</a:t>
+              <a:t>analog actuator output for control of equipment/valve position, panel meters, display brightness/contrast etc.</a:t>
             </a:r>
           </a:p>
           <a:p>
@@ -10883,34 +10526,9 @@
           <a:p>
             <a:pPr lvl="1"/>
             <a:r>
-              <a:rPr lang="en-US" sz="1400" dirty="0" smtClean="0"/>
-              <a:t>digital </a:t>
-            </a:r>
-            <a:r>
               <a:rPr lang="en-US" sz="1400" dirty="0"/>
-              <a:t>actuator output for </a:t>
-            </a:r>
-            <a:r>
-              <a:rPr lang="en-US" sz="1400" dirty="0" smtClean="0"/>
-              <a:t>control of </a:t>
-            </a:r>
-            <a:r>
-              <a:rPr lang="en-US" sz="1400" dirty="0"/>
-              <a:t>Klaxon horn alarms, </a:t>
-            </a:r>
-            <a:r>
-              <a:rPr lang="en-US" sz="1400" dirty="0" smtClean="0"/>
-              <a:t>annunciator panel </a:t>
-            </a:r>
-            <a:r>
-              <a:rPr lang="en-US" sz="1400" dirty="0"/>
-              <a:t>lamps </a:t>
-            </a:r>
-            <a:r>
-              <a:rPr lang="en-US" sz="1400" dirty="0" smtClean="0"/>
-              <a:t>etc.</a:t>
-            </a:r>
-            <a:endParaRPr lang="en-US" sz="1400" dirty="0"/>
+              <a:t>digital actuator output for control of Klaxon horn alarms, annunciator panel lamps etc.</a:t>
+            </a:r>
           </a:p>
           <a:p>
             <a:pPr marL="914400" lvl="2" indent="0">
@@ -10940,7 +10558,7 @@
             </a:pPr>
             <a:fld id="{44D06F95-D493-494F-B0EB-3EDFAA385886}" type="datetime1">
               <a:rPr lang="en-US" smtClean="0"/>
-              <a:t>11/25/2015</a:t>
+              <a:t>12/23/2016</a:t>
             </a:fld>
             <a:endParaRPr lang="en-US"/>
           </a:p>
@@ -10965,7 +10583,7 @@
               <a:defRPr/>
             </a:pPr>
             <a:r>
-              <a:rPr lang="en-US" smtClean="0"/>
+              <a:rPr lang="en-US"/>
               <a:t>TeamSTARS "tsWxGTUI_PyVx" Toolkit prepared &amp; presented by Richard S. Gordon</a:t>
             </a:r>
             <a:endParaRPr lang="en-US" dirty="0"/>
@@ -11006,13 +10624,6 @@
   <p:clrMapOvr>
     <a:masterClrMapping/>
   </p:clrMapOvr>
-  <p:timing>
-    <p:tnLst>
-      <p:par>
-        <p:cTn id="1" dur="indefinite" restart="never" nodeType="tmRoot"/>
-      </p:par>
-    </p:tnLst>
-  </p:timing>
 </p:sld>
 </file>
 
